--- a/handouts/IACL2023.pptx
+++ b/handouts/IACL2023.pptx
@@ -5,7 +5,7 @@
     <p:sldMasterId id="2147483659" r:id="rId1"/>
   </p:sldMasterIdLst>
   <p:notesMasterIdLst>
-    <p:notesMasterId r:id="rId50"/>
+    <p:notesMasterId r:id="rId53"/>
   </p:notesMasterIdLst>
   <p:sldIdLst>
     <p:sldId id="256" r:id="rId2"/>
@@ -40,22 +40,25 @@
     <p:sldId id="285" r:id="rId31"/>
     <p:sldId id="286" r:id="rId32"/>
     <p:sldId id="287" r:id="rId33"/>
-    <p:sldId id="288" r:id="rId34"/>
-    <p:sldId id="289" r:id="rId35"/>
-    <p:sldId id="290" r:id="rId36"/>
-    <p:sldId id="291" r:id="rId37"/>
-    <p:sldId id="292" r:id="rId38"/>
-    <p:sldId id="293" r:id="rId39"/>
-    <p:sldId id="294" r:id="rId40"/>
-    <p:sldId id="295" r:id="rId41"/>
-    <p:sldId id="296" r:id="rId42"/>
-    <p:sldId id="297" r:id="rId43"/>
-    <p:sldId id="298" r:id="rId44"/>
-    <p:sldId id="299" r:id="rId45"/>
-    <p:sldId id="300" r:id="rId46"/>
-    <p:sldId id="301" r:id="rId47"/>
-    <p:sldId id="302" r:id="rId48"/>
-    <p:sldId id="303" r:id="rId49"/>
+    <p:sldId id="305" r:id="rId34"/>
+    <p:sldId id="306" r:id="rId35"/>
+    <p:sldId id="288" r:id="rId36"/>
+    <p:sldId id="304" r:id="rId37"/>
+    <p:sldId id="289" r:id="rId38"/>
+    <p:sldId id="290" r:id="rId39"/>
+    <p:sldId id="291" r:id="rId40"/>
+    <p:sldId id="292" r:id="rId41"/>
+    <p:sldId id="293" r:id="rId42"/>
+    <p:sldId id="294" r:id="rId43"/>
+    <p:sldId id="295" r:id="rId44"/>
+    <p:sldId id="296" r:id="rId45"/>
+    <p:sldId id="297" r:id="rId46"/>
+    <p:sldId id="298" r:id="rId47"/>
+    <p:sldId id="299" r:id="rId48"/>
+    <p:sldId id="300" r:id="rId49"/>
+    <p:sldId id="301" r:id="rId50"/>
+    <p:sldId id="302" r:id="rId51"/>
+    <p:sldId id="303" r:id="rId52"/>
   </p:sldIdLst>
   <p:sldSz cx="9144000" cy="5143500" type="screen16x9"/>
   <p:notesSz cx="6858000" cy="9144000"/>
@@ -3521,6 +3524,214 @@
   <p:cSld>
     <p:spTree>
       <p:nvGrpSpPr>
+        <p:cNvPr id="1" name="Shape 326"/>
+        <p:cNvGrpSpPr/>
+        <p:nvPr/>
+      </p:nvGrpSpPr>
+      <p:grpSpPr>
+        <a:xfrm>
+          <a:off x="0" y="0"/>
+          <a:ext cx="0" cy="0"/>
+          <a:chOff x="0" y="0"/>
+          <a:chExt cx="0" cy="0"/>
+        </a:xfrm>
+      </p:grpSpPr>
+      <p:sp>
+        <p:nvSpPr>
+          <p:cNvPr id="327" name="Google Shape;327;g24b6f5339eb_0_14:notes"/>
+          <p:cNvSpPr>
+            <a:spLocks noGrp="1" noRot="1" noChangeAspect="1"/>
+          </p:cNvSpPr>
+          <p:nvPr>
+            <p:ph type="sldImg" idx="2"/>
+          </p:nvPr>
+        </p:nvSpPr>
+        <p:spPr>
+          <a:xfrm>
+            <a:off x="381000" y="685800"/>
+            <a:ext cx="6096000" cy="3429000"/>
+          </a:xfrm>
+          <a:custGeom>
+            <a:avLst/>
+            <a:gdLst/>
+            <a:ahLst/>
+            <a:cxnLst/>
+            <a:rect l="l" t="t" r="r" b="b"/>
+            <a:pathLst>
+              <a:path w="120000" h="120000" extrusionOk="0">
+                <a:moveTo>
+                  <a:pt x="0" y="0"/>
+                </a:moveTo>
+                <a:lnTo>
+                  <a:pt x="120000" y="0"/>
+                </a:lnTo>
+                <a:lnTo>
+                  <a:pt x="120000" y="120000"/>
+                </a:lnTo>
+                <a:lnTo>
+                  <a:pt x="0" y="120000"/>
+                </a:lnTo>
+                <a:close/>
+              </a:path>
+            </a:pathLst>
+          </a:custGeom>
+        </p:spPr>
+      </p:sp>
+      <p:sp>
+        <p:nvSpPr>
+          <p:cNvPr id="328" name="Google Shape;328;g24b6f5339eb_0_14:notes"/>
+          <p:cNvSpPr txBox="1">
+            <a:spLocks noGrp="1"/>
+          </p:cNvSpPr>
+          <p:nvPr>
+            <p:ph type="body" idx="1"/>
+          </p:nvPr>
+        </p:nvSpPr>
+        <p:spPr>
+          <a:xfrm>
+            <a:off x="685800" y="4343400"/>
+            <a:ext cx="5486400" cy="4114800"/>
+          </a:xfrm>
+          <a:prstGeom prst="rect">
+            <a:avLst/>
+          </a:prstGeom>
+        </p:spPr>
+        <p:txBody>
+          <a:bodyPr spcFirstLastPara="1" wrap="square" lIns="91425" tIns="91425" rIns="91425" bIns="91425" anchor="t" anchorCtr="0">
+            <a:noAutofit/>
+          </a:bodyPr>
+          <a:lstStyle/>
+          <a:p>
+            <a:pPr marL="0" lvl="0" indent="0" algn="l" rtl="0">
+              <a:spcBef>
+                <a:spcPts val="0"/>
+              </a:spcBef>
+              <a:spcAft>
+                <a:spcPts val="0"/>
+              </a:spcAft>
+              <a:buNone/>
+            </a:pPr>
+            <a:endParaRPr/>
+          </a:p>
+        </p:txBody>
+      </p:sp>
+    </p:spTree>
+  </p:cSld>
+  <p:clrMapOvr>
+    <a:masterClrMapping/>
+  </p:clrMapOvr>
+</p:notes>
+</file>
+
+<file path=ppt/notesSlides/notesSlide34.xml><?xml version="1.0" encoding="utf-8"?>
+<p:notes xmlns:a="http://schemas.openxmlformats.org/drawingml/2006/main" xmlns:r="http://schemas.openxmlformats.org/officeDocument/2006/relationships" xmlns:p="http://schemas.openxmlformats.org/presentationml/2006/main" showMasterSp="0" showMasterPhAnim="0">
+  <p:cSld>
+    <p:spTree>
+      <p:nvGrpSpPr>
+        <p:cNvPr id="1" name="Shape 334"/>
+        <p:cNvGrpSpPr/>
+        <p:nvPr/>
+      </p:nvGrpSpPr>
+      <p:grpSpPr>
+        <a:xfrm>
+          <a:off x="0" y="0"/>
+          <a:ext cx="0" cy="0"/>
+          <a:chOff x="0" y="0"/>
+          <a:chExt cx="0" cy="0"/>
+        </a:xfrm>
+      </p:grpSpPr>
+      <p:sp>
+        <p:nvSpPr>
+          <p:cNvPr id="335" name="Google Shape;335;g24b6f5339eb_0_7:notes"/>
+          <p:cNvSpPr>
+            <a:spLocks noGrp="1" noRot="1" noChangeAspect="1"/>
+          </p:cNvSpPr>
+          <p:nvPr>
+            <p:ph type="sldImg" idx="2"/>
+          </p:nvPr>
+        </p:nvSpPr>
+        <p:spPr>
+          <a:xfrm>
+            <a:off x="381000" y="685800"/>
+            <a:ext cx="6096000" cy="3429000"/>
+          </a:xfrm>
+          <a:custGeom>
+            <a:avLst/>
+            <a:gdLst/>
+            <a:ahLst/>
+            <a:cxnLst/>
+            <a:rect l="l" t="t" r="r" b="b"/>
+            <a:pathLst>
+              <a:path w="120000" h="120000" extrusionOk="0">
+                <a:moveTo>
+                  <a:pt x="0" y="0"/>
+                </a:moveTo>
+                <a:lnTo>
+                  <a:pt x="120000" y="0"/>
+                </a:lnTo>
+                <a:lnTo>
+                  <a:pt x="120000" y="120000"/>
+                </a:lnTo>
+                <a:lnTo>
+                  <a:pt x="0" y="120000"/>
+                </a:lnTo>
+                <a:close/>
+              </a:path>
+            </a:pathLst>
+          </a:custGeom>
+        </p:spPr>
+      </p:sp>
+      <p:sp>
+        <p:nvSpPr>
+          <p:cNvPr id="336" name="Google Shape;336;g24b6f5339eb_0_7:notes"/>
+          <p:cNvSpPr txBox="1">
+            <a:spLocks noGrp="1"/>
+          </p:cNvSpPr>
+          <p:nvPr>
+            <p:ph type="body" idx="1"/>
+          </p:nvPr>
+        </p:nvSpPr>
+        <p:spPr>
+          <a:xfrm>
+            <a:off x="685800" y="4343400"/>
+            <a:ext cx="5486400" cy="4114800"/>
+          </a:xfrm>
+          <a:prstGeom prst="rect">
+            <a:avLst/>
+          </a:prstGeom>
+        </p:spPr>
+        <p:txBody>
+          <a:bodyPr spcFirstLastPara="1" wrap="square" lIns="91425" tIns="91425" rIns="91425" bIns="91425" anchor="t" anchorCtr="0">
+            <a:noAutofit/>
+          </a:bodyPr>
+          <a:lstStyle/>
+          <a:p>
+            <a:pPr marL="0" lvl="0" indent="0" algn="l" rtl="0">
+              <a:spcBef>
+                <a:spcPts val="0"/>
+              </a:spcBef>
+              <a:spcAft>
+                <a:spcPts val="0"/>
+              </a:spcAft>
+              <a:buNone/>
+            </a:pPr>
+            <a:endParaRPr/>
+          </a:p>
+        </p:txBody>
+      </p:sp>
+    </p:spTree>
+  </p:cSld>
+  <p:clrMapOvr>
+    <a:masterClrMapping/>
+  </p:clrMapOvr>
+</p:notes>
+</file>
+
+<file path=ppt/notesSlides/notesSlide35.xml><?xml version="1.0" encoding="utf-8"?>
+<p:notes xmlns:a="http://schemas.openxmlformats.org/drawingml/2006/main" xmlns:r="http://schemas.openxmlformats.org/officeDocument/2006/relationships" xmlns:p="http://schemas.openxmlformats.org/presentationml/2006/main" showMasterSp="0" showMasterPhAnim="0">
+  <p:cSld>
+    <p:spTree>
+      <p:nvGrpSpPr>
         <p:cNvPr id="1" name="Shape 319"/>
         <p:cNvGrpSpPr/>
         <p:nvPr/>
@@ -3620,7 +3831,7 @@
 </p:notes>
 </file>
 
-<file path=ppt/notesSlides/notesSlide34.xml><?xml version="1.0" encoding="utf-8"?>
+<file path=ppt/notesSlides/notesSlide36.xml><?xml version="1.0" encoding="utf-8"?>
 <p:notes xmlns:a="http://schemas.openxmlformats.org/drawingml/2006/main" xmlns:r="http://schemas.openxmlformats.org/officeDocument/2006/relationships" xmlns:p="http://schemas.openxmlformats.org/presentationml/2006/main" showMasterSp="0" showMasterPhAnim="0">
   <p:cSld>
     <p:spTree>
@@ -3724,7 +3935,7 @@
 </p:notes>
 </file>
 
-<file path=ppt/notesSlides/notesSlide35.xml><?xml version="1.0" encoding="utf-8"?>
+<file path=ppt/notesSlides/notesSlide37.xml><?xml version="1.0" encoding="utf-8"?>
 <p:notes xmlns:a="http://schemas.openxmlformats.org/drawingml/2006/main" xmlns:r="http://schemas.openxmlformats.org/officeDocument/2006/relationships" xmlns:p="http://schemas.openxmlformats.org/presentationml/2006/main" showMasterSp="0" showMasterPhAnim="0">
   <p:cSld>
     <p:spTree>
@@ -3828,7 +4039,7 @@
 </p:notes>
 </file>
 
-<file path=ppt/notesSlides/notesSlide36.xml><?xml version="1.0" encoding="utf-8"?>
+<file path=ppt/notesSlides/notesSlide38.xml><?xml version="1.0" encoding="utf-8"?>
 <p:notes xmlns:a="http://schemas.openxmlformats.org/drawingml/2006/main" xmlns:r="http://schemas.openxmlformats.org/officeDocument/2006/relationships" xmlns:p="http://schemas.openxmlformats.org/presentationml/2006/main" showMasterSp="0" showMasterPhAnim="0">
   <p:cSld>
     <p:spTree>
@@ -3932,7 +4143,7 @@
 </p:notes>
 </file>
 
-<file path=ppt/notesSlides/notesSlide37.xml><?xml version="1.0" encoding="utf-8"?>
+<file path=ppt/notesSlides/notesSlide39.xml><?xml version="1.0" encoding="utf-8"?>
 <p:notes xmlns:a="http://schemas.openxmlformats.org/drawingml/2006/main" xmlns:r="http://schemas.openxmlformats.org/officeDocument/2006/relationships" xmlns:p="http://schemas.openxmlformats.org/presentationml/2006/main" showMasterSp="0" showMasterPhAnim="0">
   <p:cSld>
     <p:spTree>
@@ -3993,214 +4204,6 @@
       <p:sp>
         <p:nvSpPr>
           <p:cNvPr id="349" name="Google Shape;349;g22670259b96_0_249:notes"/>
-          <p:cNvSpPr txBox="1">
-            <a:spLocks noGrp="1"/>
-          </p:cNvSpPr>
-          <p:nvPr>
-            <p:ph type="body" idx="1"/>
-          </p:nvPr>
-        </p:nvSpPr>
-        <p:spPr>
-          <a:xfrm>
-            <a:off x="685800" y="4343400"/>
-            <a:ext cx="5486400" cy="4114800"/>
-          </a:xfrm>
-          <a:prstGeom prst="rect">
-            <a:avLst/>
-          </a:prstGeom>
-        </p:spPr>
-        <p:txBody>
-          <a:bodyPr spcFirstLastPara="1" wrap="square" lIns="91425" tIns="91425" rIns="91425" bIns="91425" anchor="t" anchorCtr="0">
-            <a:noAutofit/>
-          </a:bodyPr>
-          <a:lstStyle/>
-          <a:p>
-            <a:pPr marL="0" lvl="0" indent="0" algn="l" rtl="0">
-              <a:spcBef>
-                <a:spcPts val="0"/>
-              </a:spcBef>
-              <a:spcAft>
-                <a:spcPts val="0"/>
-              </a:spcAft>
-              <a:buNone/>
-            </a:pPr>
-            <a:endParaRPr/>
-          </a:p>
-        </p:txBody>
-      </p:sp>
-    </p:spTree>
-  </p:cSld>
-  <p:clrMapOvr>
-    <a:masterClrMapping/>
-  </p:clrMapOvr>
-</p:notes>
-</file>
-
-<file path=ppt/notesSlides/notesSlide38.xml><?xml version="1.0" encoding="utf-8"?>
-<p:notes xmlns:a="http://schemas.openxmlformats.org/drawingml/2006/main" xmlns:r="http://schemas.openxmlformats.org/officeDocument/2006/relationships" xmlns:p="http://schemas.openxmlformats.org/presentationml/2006/main" showMasterSp="0" showMasterPhAnim="0">
-  <p:cSld>
-    <p:spTree>
-      <p:nvGrpSpPr>
-        <p:cNvPr id="1" name="Shape 354"/>
-        <p:cNvGrpSpPr/>
-        <p:nvPr/>
-      </p:nvGrpSpPr>
-      <p:grpSpPr>
-        <a:xfrm>
-          <a:off x="0" y="0"/>
-          <a:ext cx="0" cy="0"/>
-          <a:chOff x="0" y="0"/>
-          <a:chExt cx="0" cy="0"/>
-        </a:xfrm>
-      </p:grpSpPr>
-      <p:sp>
-        <p:nvSpPr>
-          <p:cNvPr id="355" name="Google Shape;355;g227a91496f7_1_31:notes"/>
-          <p:cNvSpPr>
-            <a:spLocks noGrp="1" noRot="1" noChangeAspect="1"/>
-          </p:cNvSpPr>
-          <p:nvPr>
-            <p:ph type="sldImg" idx="2"/>
-          </p:nvPr>
-        </p:nvSpPr>
-        <p:spPr>
-          <a:xfrm>
-            <a:off x="381000" y="685800"/>
-            <a:ext cx="6096000" cy="3429000"/>
-          </a:xfrm>
-          <a:custGeom>
-            <a:avLst/>
-            <a:gdLst/>
-            <a:ahLst/>
-            <a:cxnLst/>
-            <a:rect l="l" t="t" r="r" b="b"/>
-            <a:pathLst>
-              <a:path w="120000" h="120000" extrusionOk="0">
-                <a:moveTo>
-                  <a:pt x="0" y="0"/>
-                </a:moveTo>
-                <a:lnTo>
-                  <a:pt x="120000" y="0"/>
-                </a:lnTo>
-                <a:lnTo>
-                  <a:pt x="120000" y="120000"/>
-                </a:lnTo>
-                <a:lnTo>
-                  <a:pt x="0" y="120000"/>
-                </a:lnTo>
-                <a:close/>
-              </a:path>
-            </a:pathLst>
-          </a:custGeom>
-        </p:spPr>
-      </p:sp>
-      <p:sp>
-        <p:nvSpPr>
-          <p:cNvPr id="356" name="Google Shape;356;g227a91496f7_1_31:notes"/>
-          <p:cNvSpPr txBox="1">
-            <a:spLocks noGrp="1"/>
-          </p:cNvSpPr>
-          <p:nvPr>
-            <p:ph type="body" idx="1"/>
-          </p:nvPr>
-        </p:nvSpPr>
-        <p:spPr>
-          <a:xfrm>
-            <a:off x="685800" y="4343400"/>
-            <a:ext cx="5486400" cy="4114800"/>
-          </a:xfrm>
-          <a:prstGeom prst="rect">
-            <a:avLst/>
-          </a:prstGeom>
-        </p:spPr>
-        <p:txBody>
-          <a:bodyPr spcFirstLastPara="1" wrap="square" lIns="91425" tIns="91425" rIns="91425" bIns="91425" anchor="t" anchorCtr="0">
-            <a:noAutofit/>
-          </a:bodyPr>
-          <a:lstStyle/>
-          <a:p>
-            <a:pPr marL="0" lvl="0" indent="0" algn="l" rtl="0">
-              <a:spcBef>
-                <a:spcPts val="0"/>
-              </a:spcBef>
-              <a:spcAft>
-                <a:spcPts val="0"/>
-              </a:spcAft>
-              <a:buNone/>
-            </a:pPr>
-            <a:endParaRPr/>
-          </a:p>
-        </p:txBody>
-      </p:sp>
-    </p:spTree>
-  </p:cSld>
-  <p:clrMapOvr>
-    <a:masterClrMapping/>
-  </p:clrMapOvr>
-</p:notes>
-</file>
-
-<file path=ppt/notesSlides/notesSlide39.xml><?xml version="1.0" encoding="utf-8"?>
-<p:notes xmlns:a="http://schemas.openxmlformats.org/drawingml/2006/main" xmlns:r="http://schemas.openxmlformats.org/officeDocument/2006/relationships" xmlns:p="http://schemas.openxmlformats.org/presentationml/2006/main" showMasterSp="0" showMasterPhAnim="0">
-  <p:cSld>
-    <p:spTree>
-      <p:nvGrpSpPr>
-        <p:cNvPr id="1" name="Shape 360"/>
-        <p:cNvGrpSpPr/>
-        <p:nvPr/>
-      </p:nvGrpSpPr>
-      <p:grpSpPr>
-        <a:xfrm>
-          <a:off x="0" y="0"/>
-          <a:ext cx="0" cy="0"/>
-          <a:chOff x="0" y="0"/>
-          <a:chExt cx="0" cy="0"/>
-        </a:xfrm>
-      </p:grpSpPr>
-      <p:sp>
-        <p:nvSpPr>
-          <p:cNvPr id="361" name="Google Shape;361;g210873d5c84_1_4:notes"/>
-          <p:cNvSpPr>
-            <a:spLocks noGrp="1" noRot="1" noChangeAspect="1"/>
-          </p:cNvSpPr>
-          <p:nvPr>
-            <p:ph type="sldImg" idx="2"/>
-          </p:nvPr>
-        </p:nvSpPr>
-        <p:spPr>
-          <a:xfrm>
-            <a:off x="381000" y="685800"/>
-            <a:ext cx="6096000" cy="3429000"/>
-          </a:xfrm>
-          <a:custGeom>
-            <a:avLst/>
-            <a:gdLst/>
-            <a:ahLst/>
-            <a:cxnLst/>
-            <a:rect l="l" t="t" r="r" b="b"/>
-            <a:pathLst>
-              <a:path w="120000" h="120000" extrusionOk="0">
-                <a:moveTo>
-                  <a:pt x="0" y="0"/>
-                </a:moveTo>
-                <a:lnTo>
-                  <a:pt x="120000" y="0"/>
-                </a:lnTo>
-                <a:lnTo>
-                  <a:pt x="120000" y="120000"/>
-                </a:lnTo>
-                <a:lnTo>
-                  <a:pt x="0" y="120000"/>
-                </a:lnTo>
-                <a:close/>
-              </a:path>
-            </a:pathLst>
-          </a:custGeom>
-        </p:spPr>
-      </p:sp>
-      <p:sp>
-        <p:nvSpPr>
-          <p:cNvPr id="362" name="Google Shape;362;g210873d5c84_1_4:notes"/>
           <p:cNvSpPr txBox="1">
             <a:spLocks noGrp="1"/>
           </p:cNvSpPr>
@@ -4414,6 +4417,214 @@
   <p:cSld>
     <p:spTree>
       <p:nvGrpSpPr>
+        <p:cNvPr id="1" name="Shape 354"/>
+        <p:cNvGrpSpPr/>
+        <p:nvPr/>
+      </p:nvGrpSpPr>
+      <p:grpSpPr>
+        <a:xfrm>
+          <a:off x="0" y="0"/>
+          <a:ext cx="0" cy="0"/>
+          <a:chOff x="0" y="0"/>
+          <a:chExt cx="0" cy="0"/>
+        </a:xfrm>
+      </p:grpSpPr>
+      <p:sp>
+        <p:nvSpPr>
+          <p:cNvPr id="355" name="Google Shape;355;g227a91496f7_1_31:notes"/>
+          <p:cNvSpPr>
+            <a:spLocks noGrp="1" noRot="1" noChangeAspect="1"/>
+          </p:cNvSpPr>
+          <p:nvPr>
+            <p:ph type="sldImg" idx="2"/>
+          </p:nvPr>
+        </p:nvSpPr>
+        <p:spPr>
+          <a:xfrm>
+            <a:off x="381000" y="685800"/>
+            <a:ext cx="6096000" cy="3429000"/>
+          </a:xfrm>
+          <a:custGeom>
+            <a:avLst/>
+            <a:gdLst/>
+            <a:ahLst/>
+            <a:cxnLst/>
+            <a:rect l="l" t="t" r="r" b="b"/>
+            <a:pathLst>
+              <a:path w="120000" h="120000" extrusionOk="0">
+                <a:moveTo>
+                  <a:pt x="0" y="0"/>
+                </a:moveTo>
+                <a:lnTo>
+                  <a:pt x="120000" y="0"/>
+                </a:lnTo>
+                <a:lnTo>
+                  <a:pt x="120000" y="120000"/>
+                </a:lnTo>
+                <a:lnTo>
+                  <a:pt x="0" y="120000"/>
+                </a:lnTo>
+                <a:close/>
+              </a:path>
+            </a:pathLst>
+          </a:custGeom>
+        </p:spPr>
+      </p:sp>
+      <p:sp>
+        <p:nvSpPr>
+          <p:cNvPr id="356" name="Google Shape;356;g227a91496f7_1_31:notes"/>
+          <p:cNvSpPr txBox="1">
+            <a:spLocks noGrp="1"/>
+          </p:cNvSpPr>
+          <p:nvPr>
+            <p:ph type="body" idx="1"/>
+          </p:nvPr>
+        </p:nvSpPr>
+        <p:spPr>
+          <a:xfrm>
+            <a:off x="685800" y="4343400"/>
+            <a:ext cx="5486400" cy="4114800"/>
+          </a:xfrm>
+          <a:prstGeom prst="rect">
+            <a:avLst/>
+          </a:prstGeom>
+        </p:spPr>
+        <p:txBody>
+          <a:bodyPr spcFirstLastPara="1" wrap="square" lIns="91425" tIns="91425" rIns="91425" bIns="91425" anchor="t" anchorCtr="0">
+            <a:noAutofit/>
+          </a:bodyPr>
+          <a:lstStyle/>
+          <a:p>
+            <a:pPr marL="0" lvl="0" indent="0" algn="l" rtl="0">
+              <a:spcBef>
+                <a:spcPts val="0"/>
+              </a:spcBef>
+              <a:spcAft>
+                <a:spcPts val="0"/>
+              </a:spcAft>
+              <a:buNone/>
+            </a:pPr>
+            <a:endParaRPr/>
+          </a:p>
+        </p:txBody>
+      </p:sp>
+    </p:spTree>
+  </p:cSld>
+  <p:clrMapOvr>
+    <a:masterClrMapping/>
+  </p:clrMapOvr>
+</p:notes>
+</file>
+
+<file path=ppt/notesSlides/notesSlide41.xml><?xml version="1.0" encoding="utf-8"?>
+<p:notes xmlns:a="http://schemas.openxmlformats.org/drawingml/2006/main" xmlns:r="http://schemas.openxmlformats.org/officeDocument/2006/relationships" xmlns:p="http://schemas.openxmlformats.org/presentationml/2006/main" showMasterSp="0" showMasterPhAnim="0">
+  <p:cSld>
+    <p:spTree>
+      <p:nvGrpSpPr>
+        <p:cNvPr id="1" name="Shape 360"/>
+        <p:cNvGrpSpPr/>
+        <p:nvPr/>
+      </p:nvGrpSpPr>
+      <p:grpSpPr>
+        <a:xfrm>
+          <a:off x="0" y="0"/>
+          <a:ext cx="0" cy="0"/>
+          <a:chOff x="0" y="0"/>
+          <a:chExt cx="0" cy="0"/>
+        </a:xfrm>
+      </p:grpSpPr>
+      <p:sp>
+        <p:nvSpPr>
+          <p:cNvPr id="361" name="Google Shape;361;g210873d5c84_1_4:notes"/>
+          <p:cNvSpPr>
+            <a:spLocks noGrp="1" noRot="1" noChangeAspect="1"/>
+          </p:cNvSpPr>
+          <p:nvPr>
+            <p:ph type="sldImg" idx="2"/>
+          </p:nvPr>
+        </p:nvSpPr>
+        <p:spPr>
+          <a:xfrm>
+            <a:off x="381000" y="685800"/>
+            <a:ext cx="6096000" cy="3429000"/>
+          </a:xfrm>
+          <a:custGeom>
+            <a:avLst/>
+            <a:gdLst/>
+            <a:ahLst/>
+            <a:cxnLst/>
+            <a:rect l="l" t="t" r="r" b="b"/>
+            <a:pathLst>
+              <a:path w="120000" h="120000" extrusionOk="0">
+                <a:moveTo>
+                  <a:pt x="0" y="0"/>
+                </a:moveTo>
+                <a:lnTo>
+                  <a:pt x="120000" y="0"/>
+                </a:lnTo>
+                <a:lnTo>
+                  <a:pt x="120000" y="120000"/>
+                </a:lnTo>
+                <a:lnTo>
+                  <a:pt x="0" y="120000"/>
+                </a:lnTo>
+                <a:close/>
+              </a:path>
+            </a:pathLst>
+          </a:custGeom>
+        </p:spPr>
+      </p:sp>
+      <p:sp>
+        <p:nvSpPr>
+          <p:cNvPr id="362" name="Google Shape;362;g210873d5c84_1_4:notes"/>
+          <p:cNvSpPr txBox="1">
+            <a:spLocks noGrp="1"/>
+          </p:cNvSpPr>
+          <p:nvPr>
+            <p:ph type="body" idx="1"/>
+          </p:nvPr>
+        </p:nvSpPr>
+        <p:spPr>
+          <a:xfrm>
+            <a:off x="685800" y="4343400"/>
+            <a:ext cx="5486400" cy="4114800"/>
+          </a:xfrm>
+          <a:prstGeom prst="rect">
+            <a:avLst/>
+          </a:prstGeom>
+        </p:spPr>
+        <p:txBody>
+          <a:bodyPr spcFirstLastPara="1" wrap="square" lIns="91425" tIns="91425" rIns="91425" bIns="91425" anchor="t" anchorCtr="0">
+            <a:noAutofit/>
+          </a:bodyPr>
+          <a:lstStyle/>
+          <a:p>
+            <a:pPr marL="0" lvl="0" indent="0" algn="l" rtl="0">
+              <a:spcBef>
+                <a:spcPts val="0"/>
+              </a:spcBef>
+              <a:spcAft>
+                <a:spcPts val="0"/>
+              </a:spcAft>
+              <a:buNone/>
+            </a:pPr>
+            <a:endParaRPr/>
+          </a:p>
+        </p:txBody>
+      </p:sp>
+    </p:spTree>
+  </p:cSld>
+  <p:clrMapOvr>
+    <a:masterClrMapping/>
+  </p:clrMapOvr>
+</p:notes>
+</file>
+
+<file path=ppt/notesSlides/notesSlide42.xml><?xml version="1.0" encoding="utf-8"?>
+<p:notes xmlns:a="http://schemas.openxmlformats.org/drawingml/2006/main" xmlns:r="http://schemas.openxmlformats.org/officeDocument/2006/relationships" xmlns:p="http://schemas.openxmlformats.org/presentationml/2006/main" showMasterSp="0" showMasterPhAnim="0">
+  <p:cSld>
+    <p:spTree>
+      <p:nvGrpSpPr>
         <p:cNvPr id="1" name="Shape 367"/>
         <p:cNvGrpSpPr/>
         <p:nvPr/>
@@ -4513,7 +4724,7 @@
 </p:notes>
 </file>
 
-<file path=ppt/notesSlides/notesSlide41.xml><?xml version="1.0" encoding="utf-8"?>
+<file path=ppt/notesSlides/notesSlide43.xml><?xml version="1.0" encoding="utf-8"?>
 <p:notes xmlns:a="http://schemas.openxmlformats.org/drawingml/2006/main" xmlns:r="http://schemas.openxmlformats.org/officeDocument/2006/relationships" xmlns:p="http://schemas.openxmlformats.org/presentationml/2006/main" showMasterSp="0" showMasterPhAnim="0">
   <p:cSld>
     <p:spTree>
@@ -4617,7 +4828,7 @@
 </p:notes>
 </file>
 
-<file path=ppt/notesSlides/notesSlide42.xml><?xml version="1.0" encoding="utf-8"?>
+<file path=ppt/notesSlides/notesSlide44.xml><?xml version="1.0" encoding="utf-8"?>
 <p:notes xmlns:a="http://schemas.openxmlformats.org/drawingml/2006/main" xmlns:r="http://schemas.openxmlformats.org/officeDocument/2006/relationships" xmlns:p="http://schemas.openxmlformats.org/presentationml/2006/main" showMasterSp="0" showMasterPhAnim="0">
   <p:cSld>
     <p:spTree>
@@ -4721,7 +4932,7 @@
 </p:notes>
 </file>
 
-<file path=ppt/notesSlides/notesSlide43.xml><?xml version="1.0" encoding="utf-8"?>
+<file path=ppt/notesSlides/notesSlide45.xml><?xml version="1.0" encoding="utf-8"?>
 <p:notes xmlns:a="http://schemas.openxmlformats.org/drawingml/2006/main" xmlns:r="http://schemas.openxmlformats.org/officeDocument/2006/relationships" xmlns:p="http://schemas.openxmlformats.org/presentationml/2006/main" showMasterSp="0" showMasterPhAnim="0">
   <p:cSld>
     <p:spTree>
@@ -4825,7 +5036,7 @@
 </p:notes>
 </file>
 
-<file path=ppt/notesSlides/notesSlide44.xml><?xml version="1.0" encoding="utf-8"?>
+<file path=ppt/notesSlides/notesSlide46.xml><?xml version="1.0" encoding="utf-8"?>
 <p:notes xmlns:a="http://schemas.openxmlformats.org/drawingml/2006/main" xmlns:r="http://schemas.openxmlformats.org/officeDocument/2006/relationships" xmlns:p="http://schemas.openxmlformats.org/presentationml/2006/main" showMasterSp="0" showMasterPhAnim="0">
   <p:cSld>
     <p:spTree>
@@ -4929,7 +5140,7 @@
 </p:notes>
 </file>
 
-<file path=ppt/notesSlides/notesSlide45.xml><?xml version="1.0" encoding="utf-8"?>
+<file path=ppt/notesSlides/notesSlide47.xml><?xml version="1.0" encoding="utf-8"?>
 <p:notes xmlns:a="http://schemas.openxmlformats.org/drawingml/2006/main" xmlns:r="http://schemas.openxmlformats.org/officeDocument/2006/relationships" xmlns:p="http://schemas.openxmlformats.org/presentationml/2006/main" showMasterSp="0" showMasterPhAnim="0">
   <p:cSld>
     <p:spTree>
@@ -5033,7 +5244,7 @@
 </p:notes>
 </file>
 
-<file path=ppt/notesSlides/notesSlide46.xml><?xml version="1.0" encoding="utf-8"?>
+<file path=ppt/notesSlides/notesSlide48.xml><?xml version="1.0" encoding="utf-8"?>
 <p:notes xmlns:a="http://schemas.openxmlformats.org/drawingml/2006/main" xmlns:r="http://schemas.openxmlformats.org/officeDocument/2006/relationships" xmlns:p="http://schemas.openxmlformats.org/presentationml/2006/main" showMasterSp="0" showMasterPhAnim="0">
   <p:cSld>
     <p:spTree>
@@ -5137,7 +5348,7 @@
 </p:notes>
 </file>
 
-<file path=ppt/notesSlides/notesSlide47.xml><?xml version="1.0" encoding="utf-8"?>
+<file path=ppt/notesSlides/notesSlide49.xml><?xml version="1.0" encoding="utf-8"?>
 <p:notes xmlns:a="http://schemas.openxmlformats.org/drawingml/2006/main" xmlns:r="http://schemas.openxmlformats.org/officeDocument/2006/relationships" xmlns:p="http://schemas.openxmlformats.org/presentationml/2006/main" showMasterSp="0" showMasterPhAnim="0">
   <p:cSld>
     <p:spTree>
@@ -5198,110 +5409,6 @@
       <p:sp>
         <p:nvSpPr>
           <p:cNvPr id="423" name="Google Shape;423;g227a91496f7_1_12:notes"/>
-          <p:cNvSpPr txBox="1">
-            <a:spLocks noGrp="1"/>
-          </p:cNvSpPr>
-          <p:nvPr>
-            <p:ph type="body" idx="1"/>
-          </p:nvPr>
-        </p:nvSpPr>
-        <p:spPr>
-          <a:xfrm>
-            <a:off x="685800" y="4343400"/>
-            <a:ext cx="5486400" cy="4114800"/>
-          </a:xfrm>
-          <a:prstGeom prst="rect">
-            <a:avLst/>
-          </a:prstGeom>
-        </p:spPr>
-        <p:txBody>
-          <a:bodyPr spcFirstLastPara="1" wrap="square" lIns="91425" tIns="91425" rIns="91425" bIns="91425" anchor="t" anchorCtr="0">
-            <a:noAutofit/>
-          </a:bodyPr>
-          <a:lstStyle/>
-          <a:p>
-            <a:pPr marL="0" lvl="0" indent="0" algn="l" rtl="0">
-              <a:spcBef>
-                <a:spcPts val="0"/>
-              </a:spcBef>
-              <a:spcAft>
-                <a:spcPts val="0"/>
-              </a:spcAft>
-              <a:buNone/>
-            </a:pPr>
-            <a:endParaRPr/>
-          </a:p>
-        </p:txBody>
-      </p:sp>
-    </p:spTree>
-  </p:cSld>
-  <p:clrMapOvr>
-    <a:masterClrMapping/>
-  </p:clrMapOvr>
-</p:notes>
-</file>
-
-<file path=ppt/notesSlides/notesSlide48.xml><?xml version="1.0" encoding="utf-8"?>
-<p:notes xmlns:a="http://schemas.openxmlformats.org/drawingml/2006/main" xmlns:r="http://schemas.openxmlformats.org/officeDocument/2006/relationships" xmlns:p="http://schemas.openxmlformats.org/presentationml/2006/main" showMasterSp="0" showMasterPhAnim="0">
-  <p:cSld>
-    <p:spTree>
-      <p:nvGrpSpPr>
-        <p:cNvPr id="1" name="Shape 428"/>
-        <p:cNvGrpSpPr/>
-        <p:nvPr/>
-      </p:nvGrpSpPr>
-      <p:grpSpPr>
-        <a:xfrm>
-          <a:off x="0" y="0"/>
-          <a:ext cx="0" cy="0"/>
-          <a:chOff x="0" y="0"/>
-          <a:chExt cx="0" cy="0"/>
-        </a:xfrm>
-      </p:grpSpPr>
-      <p:sp>
-        <p:nvSpPr>
-          <p:cNvPr id="429" name="Google Shape;429;g22670259b96_0_243:notes"/>
-          <p:cNvSpPr>
-            <a:spLocks noGrp="1" noRot="1" noChangeAspect="1"/>
-          </p:cNvSpPr>
-          <p:nvPr>
-            <p:ph type="sldImg" idx="2"/>
-          </p:nvPr>
-        </p:nvSpPr>
-        <p:spPr>
-          <a:xfrm>
-            <a:off x="381000" y="685800"/>
-            <a:ext cx="6096000" cy="3429000"/>
-          </a:xfrm>
-          <a:custGeom>
-            <a:avLst/>
-            <a:gdLst/>
-            <a:ahLst/>
-            <a:cxnLst/>
-            <a:rect l="l" t="t" r="r" b="b"/>
-            <a:pathLst>
-              <a:path w="120000" h="120000" extrusionOk="0">
-                <a:moveTo>
-                  <a:pt x="0" y="0"/>
-                </a:moveTo>
-                <a:lnTo>
-                  <a:pt x="120000" y="0"/>
-                </a:lnTo>
-                <a:lnTo>
-                  <a:pt x="120000" y="120000"/>
-                </a:lnTo>
-                <a:lnTo>
-                  <a:pt x="0" y="120000"/>
-                </a:lnTo>
-                <a:close/>
-              </a:path>
-            </a:pathLst>
-          </a:custGeom>
-        </p:spPr>
-      </p:sp>
-      <p:sp>
-        <p:nvSpPr>
-          <p:cNvPr id="430" name="Google Shape;430;g22670259b96_0_243:notes"/>
           <p:cNvSpPr txBox="1">
             <a:spLocks noGrp="1"/>
           </p:cNvSpPr>
@@ -5441,6 +5548,110 @@
               <a:rPr lang="en"/>
               <a:t>So why are we interested in VOCs? That’s because it’s been reported that … Importantly, (4) sounds pretty good, on par with (3)</a:t>
             </a:r>
+            <a:endParaRPr/>
+          </a:p>
+        </p:txBody>
+      </p:sp>
+    </p:spTree>
+  </p:cSld>
+  <p:clrMapOvr>
+    <a:masterClrMapping/>
+  </p:clrMapOvr>
+</p:notes>
+</file>
+
+<file path=ppt/notesSlides/notesSlide50.xml><?xml version="1.0" encoding="utf-8"?>
+<p:notes xmlns:a="http://schemas.openxmlformats.org/drawingml/2006/main" xmlns:r="http://schemas.openxmlformats.org/officeDocument/2006/relationships" xmlns:p="http://schemas.openxmlformats.org/presentationml/2006/main" showMasterSp="0" showMasterPhAnim="0">
+  <p:cSld>
+    <p:spTree>
+      <p:nvGrpSpPr>
+        <p:cNvPr id="1" name="Shape 428"/>
+        <p:cNvGrpSpPr/>
+        <p:nvPr/>
+      </p:nvGrpSpPr>
+      <p:grpSpPr>
+        <a:xfrm>
+          <a:off x="0" y="0"/>
+          <a:ext cx="0" cy="0"/>
+          <a:chOff x="0" y="0"/>
+          <a:chExt cx="0" cy="0"/>
+        </a:xfrm>
+      </p:grpSpPr>
+      <p:sp>
+        <p:nvSpPr>
+          <p:cNvPr id="429" name="Google Shape;429;g22670259b96_0_243:notes"/>
+          <p:cNvSpPr>
+            <a:spLocks noGrp="1" noRot="1" noChangeAspect="1"/>
+          </p:cNvSpPr>
+          <p:nvPr>
+            <p:ph type="sldImg" idx="2"/>
+          </p:nvPr>
+        </p:nvSpPr>
+        <p:spPr>
+          <a:xfrm>
+            <a:off x="381000" y="685800"/>
+            <a:ext cx="6096000" cy="3429000"/>
+          </a:xfrm>
+          <a:custGeom>
+            <a:avLst/>
+            <a:gdLst/>
+            <a:ahLst/>
+            <a:cxnLst/>
+            <a:rect l="l" t="t" r="r" b="b"/>
+            <a:pathLst>
+              <a:path w="120000" h="120000" extrusionOk="0">
+                <a:moveTo>
+                  <a:pt x="0" y="0"/>
+                </a:moveTo>
+                <a:lnTo>
+                  <a:pt x="120000" y="0"/>
+                </a:lnTo>
+                <a:lnTo>
+                  <a:pt x="120000" y="120000"/>
+                </a:lnTo>
+                <a:lnTo>
+                  <a:pt x="0" y="120000"/>
+                </a:lnTo>
+                <a:close/>
+              </a:path>
+            </a:pathLst>
+          </a:custGeom>
+        </p:spPr>
+      </p:sp>
+      <p:sp>
+        <p:nvSpPr>
+          <p:cNvPr id="430" name="Google Shape;430;g22670259b96_0_243:notes"/>
+          <p:cNvSpPr txBox="1">
+            <a:spLocks noGrp="1"/>
+          </p:cNvSpPr>
+          <p:nvPr>
+            <p:ph type="body" idx="1"/>
+          </p:nvPr>
+        </p:nvSpPr>
+        <p:spPr>
+          <a:xfrm>
+            <a:off x="685800" y="4343400"/>
+            <a:ext cx="5486400" cy="4114800"/>
+          </a:xfrm>
+          <a:prstGeom prst="rect">
+            <a:avLst/>
+          </a:prstGeom>
+        </p:spPr>
+        <p:txBody>
+          <a:bodyPr spcFirstLastPara="1" wrap="square" lIns="91425" tIns="91425" rIns="91425" bIns="91425" anchor="t" anchorCtr="0">
+            <a:noAutofit/>
+          </a:bodyPr>
+          <a:lstStyle/>
+          <a:p>
+            <a:pPr marL="0" lvl="0" indent="0" algn="l" rtl="0">
+              <a:spcBef>
+                <a:spcPts val="0"/>
+              </a:spcBef>
+              <a:spcAft>
+                <a:spcPts val="0"/>
+              </a:spcAft>
+              <a:buNone/>
+            </a:pPr>
             <a:endParaRPr/>
           </a:p>
         </p:txBody>
@@ -26223,7 +26434,7 @@
         </p:nvGraphicFramePr>
         <p:xfrm>
           <a:off x="0" y="0"/>
-          <a:ext cx="3000000" cy="3000000"/>
+          <a:ext cx="9144000" cy="5143450"/>
         </p:xfrm>
         <a:graphic>
           <a:graphicData uri="http://schemas.openxmlformats.org/drawingml/2006/table">
@@ -32237,6 +32448,346 @@
 </file>
 
 <file path=ppt/slides/slide33.xml><?xml version="1.0" encoding="utf-8"?>
+<p:sld xmlns:a="http://schemas.openxmlformats.org/drawingml/2006/main" xmlns:r="http://schemas.openxmlformats.org/officeDocument/2006/relationships" xmlns:p="http://schemas.openxmlformats.org/presentationml/2006/main">
+  <p:cSld>
+    <p:spTree>
+      <p:nvGrpSpPr>
+        <p:cNvPr id="1" name="Shape 329"/>
+        <p:cNvGrpSpPr/>
+        <p:nvPr/>
+      </p:nvGrpSpPr>
+      <p:grpSpPr>
+        <a:xfrm>
+          <a:off x="0" y="0"/>
+          <a:ext cx="0" cy="0"/>
+          <a:chOff x="0" y="0"/>
+          <a:chExt cx="0" cy="0"/>
+        </a:xfrm>
+      </p:grpSpPr>
+      <p:sp>
+        <p:nvSpPr>
+          <p:cNvPr id="330" name="Google Shape;330;p46"/>
+          <p:cNvSpPr txBox="1">
+            <a:spLocks noGrp="1"/>
+          </p:cNvSpPr>
+          <p:nvPr>
+            <p:ph type="title"/>
+          </p:nvPr>
+        </p:nvSpPr>
+        <p:spPr>
+          <a:xfrm>
+            <a:off x="311700" y="445025"/>
+            <a:ext cx="8520600" cy="572700"/>
+          </a:xfrm>
+          <a:prstGeom prst="rect">
+            <a:avLst/>
+          </a:prstGeom>
+        </p:spPr>
+        <p:txBody>
+          <a:bodyPr spcFirstLastPara="1" wrap="square" lIns="91425" tIns="91425" rIns="91425" bIns="91425" anchor="t" anchorCtr="0">
+            <a:normAutofit fontScale="90000"/>
+          </a:bodyPr>
+          <a:lstStyle/>
+          <a:p>
+            <a:pPr marL="0" lvl="0" indent="0" algn="l" rtl="0">
+              <a:spcBef>
+                <a:spcPts val="0"/>
+              </a:spcBef>
+              <a:spcAft>
+                <a:spcPts val="0"/>
+              </a:spcAft>
+              <a:buNone/>
+            </a:pPr>
+            <a:r>
+              <a:rPr lang="en"/>
+              <a:t>Raw judgments from Chinese and English experiments</a:t>
+            </a:r>
+            <a:endParaRPr/>
+          </a:p>
+        </p:txBody>
+      </p:sp>
+      <p:sp>
+        <p:nvSpPr>
+          <p:cNvPr id="331" name="Google Shape;331;p46"/>
+          <p:cNvSpPr txBox="1">
+            <a:spLocks noGrp="1"/>
+          </p:cNvSpPr>
+          <p:nvPr>
+            <p:ph type="sldNum" idx="12"/>
+          </p:nvPr>
+        </p:nvSpPr>
+        <p:spPr>
+          <a:xfrm>
+            <a:off x="8472458" y="4663217"/>
+            <a:ext cx="548700" cy="393600"/>
+          </a:xfrm>
+          <a:prstGeom prst="rect">
+            <a:avLst/>
+          </a:prstGeom>
+        </p:spPr>
+        <p:txBody>
+          <a:bodyPr spcFirstLastPara="1" wrap="square" lIns="91425" tIns="91425" rIns="91425" bIns="91425" anchor="ctr" anchorCtr="0">
+            <a:normAutofit/>
+          </a:bodyPr>
+          <a:lstStyle/>
+          <a:p>
+            <a:pPr marL="0" lvl="0" indent="0" algn="r" rtl="0">
+              <a:spcBef>
+                <a:spcPts val="0"/>
+              </a:spcBef>
+              <a:spcAft>
+                <a:spcPts val="0"/>
+              </a:spcAft>
+              <a:buNone/>
+            </a:pPr>
+            <a:fld id="{00000000-1234-1234-1234-123412341234}" type="slidenum">
+              <a:rPr lang="en"/>
+              <a:t>33</a:t>
+            </a:fld>
+            <a:endParaRPr/>
+          </a:p>
+        </p:txBody>
+      </p:sp>
+      <p:pic>
+        <p:nvPicPr>
+          <p:cNvPr id="332" name="Google Shape;332;p46"/>
+          <p:cNvPicPr preferRelativeResize="0"/>
+          <p:nvPr/>
+        </p:nvPicPr>
+        <p:blipFill>
+          <a:blip r:embed="rId3">
+            <a:alphaModFix/>
+          </a:blip>
+          <a:stretch>
+            <a:fillRect/>
+          </a:stretch>
+        </p:blipFill>
+        <p:spPr>
+          <a:xfrm>
+            <a:off x="311700" y="1981550"/>
+            <a:ext cx="4338642" cy="2681676"/>
+          </a:xfrm>
+          <a:prstGeom prst="rect">
+            <a:avLst/>
+          </a:prstGeom>
+          <a:noFill/>
+          <a:ln>
+            <a:noFill/>
+          </a:ln>
+        </p:spPr>
+      </p:pic>
+      <p:pic>
+        <p:nvPicPr>
+          <p:cNvPr id="333" name="Google Shape;333;p46"/>
+          <p:cNvPicPr preferRelativeResize="0"/>
+          <p:nvPr/>
+        </p:nvPicPr>
+        <p:blipFill>
+          <a:blip r:embed="rId4">
+            <a:alphaModFix/>
+          </a:blip>
+          <a:stretch>
+            <a:fillRect/>
+          </a:stretch>
+        </p:blipFill>
+        <p:spPr>
+          <a:xfrm>
+            <a:off x="4493650" y="1986917"/>
+            <a:ext cx="4338652" cy="2670933"/>
+          </a:xfrm>
+          <a:prstGeom prst="rect">
+            <a:avLst/>
+          </a:prstGeom>
+          <a:noFill/>
+          <a:ln>
+            <a:noFill/>
+          </a:ln>
+        </p:spPr>
+      </p:pic>
+    </p:spTree>
+  </p:cSld>
+  <p:clrMapOvr>
+    <a:masterClrMapping/>
+  </p:clrMapOvr>
+</p:sld>
+</file>
+
+<file path=ppt/slides/slide34.xml><?xml version="1.0" encoding="utf-8"?>
+<p:sld xmlns:a="http://schemas.openxmlformats.org/drawingml/2006/main" xmlns:r="http://schemas.openxmlformats.org/officeDocument/2006/relationships" xmlns:p="http://schemas.openxmlformats.org/presentationml/2006/main">
+  <p:cSld>
+    <p:spTree>
+      <p:nvGrpSpPr>
+        <p:cNvPr id="1" name="Shape 337"/>
+        <p:cNvGrpSpPr/>
+        <p:nvPr/>
+      </p:nvGrpSpPr>
+      <p:grpSpPr>
+        <a:xfrm>
+          <a:off x="0" y="0"/>
+          <a:ext cx="0" cy="0"/>
+          <a:chOff x="0" y="0"/>
+          <a:chExt cx="0" cy="0"/>
+        </a:xfrm>
+      </p:grpSpPr>
+      <p:sp>
+        <p:nvSpPr>
+          <p:cNvPr id="338" name="Google Shape;338;p47"/>
+          <p:cNvSpPr txBox="1">
+            <a:spLocks noGrp="1"/>
+          </p:cNvSpPr>
+          <p:nvPr>
+            <p:ph type="title"/>
+          </p:nvPr>
+        </p:nvSpPr>
+        <p:spPr>
+          <a:xfrm>
+            <a:off x="311700" y="445025"/>
+            <a:ext cx="8520600" cy="572700"/>
+          </a:xfrm>
+          <a:prstGeom prst="rect">
+            <a:avLst/>
+          </a:prstGeom>
+        </p:spPr>
+        <p:txBody>
+          <a:bodyPr spcFirstLastPara="1" wrap="square" lIns="91425" tIns="91425" rIns="91425" bIns="91425" anchor="t" anchorCtr="0">
+            <a:normAutofit fontScale="90000"/>
+          </a:bodyPr>
+          <a:lstStyle/>
+          <a:p>
+            <a:pPr marL="0" lvl="0" indent="0" algn="l" rtl="0">
+              <a:spcBef>
+                <a:spcPts val="0"/>
+              </a:spcBef>
+              <a:spcAft>
+                <a:spcPts val="0"/>
+              </a:spcAft>
+              <a:buNone/>
+            </a:pPr>
+            <a:r>
+              <a:rPr lang="en"/>
+              <a:t>Raw judgments of the follow-up experiment</a:t>
+            </a:r>
+            <a:endParaRPr/>
+          </a:p>
+        </p:txBody>
+      </p:sp>
+      <p:sp>
+        <p:nvSpPr>
+          <p:cNvPr id="339" name="Google Shape;339;p47"/>
+          <p:cNvSpPr txBox="1">
+            <a:spLocks noGrp="1"/>
+          </p:cNvSpPr>
+          <p:nvPr>
+            <p:ph type="body" idx="1"/>
+          </p:nvPr>
+        </p:nvSpPr>
+        <p:spPr>
+          <a:xfrm>
+            <a:off x="311700" y="1152475"/>
+            <a:ext cx="8520600" cy="3416400"/>
+          </a:xfrm>
+          <a:prstGeom prst="rect">
+            <a:avLst/>
+          </a:prstGeom>
+        </p:spPr>
+        <p:txBody>
+          <a:bodyPr spcFirstLastPara="1" wrap="square" lIns="91425" tIns="91425" rIns="91425" bIns="91425" anchor="t" anchorCtr="0">
+            <a:normAutofit/>
+          </a:bodyPr>
+          <a:lstStyle/>
+          <a:p>
+            <a:pPr marL="0" lvl="0" indent="0" algn="l" rtl="0">
+              <a:spcBef>
+                <a:spcPts val="0"/>
+              </a:spcBef>
+              <a:spcAft>
+                <a:spcPts val="1200"/>
+              </a:spcAft>
+              <a:buNone/>
+            </a:pPr>
+            <a:endParaRPr/>
+          </a:p>
+        </p:txBody>
+      </p:sp>
+      <p:sp>
+        <p:nvSpPr>
+          <p:cNvPr id="340" name="Google Shape;340;p47"/>
+          <p:cNvSpPr txBox="1">
+            <a:spLocks noGrp="1"/>
+          </p:cNvSpPr>
+          <p:nvPr>
+            <p:ph type="sldNum" idx="12"/>
+          </p:nvPr>
+        </p:nvSpPr>
+        <p:spPr>
+          <a:xfrm>
+            <a:off x="8472458" y="4663217"/>
+            <a:ext cx="548700" cy="393600"/>
+          </a:xfrm>
+          <a:prstGeom prst="rect">
+            <a:avLst/>
+          </a:prstGeom>
+        </p:spPr>
+        <p:txBody>
+          <a:bodyPr spcFirstLastPara="1" wrap="square" lIns="91425" tIns="91425" rIns="91425" bIns="91425" anchor="ctr" anchorCtr="0">
+            <a:normAutofit/>
+          </a:bodyPr>
+          <a:lstStyle/>
+          <a:p>
+            <a:pPr marL="0" lvl="0" indent="0" algn="r" rtl="0">
+              <a:spcBef>
+                <a:spcPts val="0"/>
+              </a:spcBef>
+              <a:spcAft>
+                <a:spcPts val="0"/>
+              </a:spcAft>
+              <a:buNone/>
+            </a:pPr>
+            <a:fld id="{00000000-1234-1234-1234-123412341234}" type="slidenum">
+              <a:rPr lang="en"/>
+              <a:t>34</a:t>
+            </a:fld>
+            <a:endParaRPr/>
+          </a:p>
+        </p:txBody>
+      </p:sp>
+      <p:pic>
+        <p:nvPicPr>
+          <p:cNvPr id="341" name="Google Shape;341;p47"/>
+          <p:cNvPicPr preferRelativeResize="0"/>
+          <p:nvPr/>
+        </p:nvPicPr>
+        <p:blipFill>
+          <a:blip r:embed="rId3">
+            <a:alphaModFix/>
+          </a:blip>
+          <a:stretch>
+            <a:fillRect/>
+          </a:stretch>
+        </p:blipFill>
+        <p:spPr>
+          <a:xfrm>
+            <a:off x="311700" y="1235000"/>
+            <a:ext cx="5395877" cy="3333874"/>
+          </a:xfrm>
+          <a:prstGeom prst="rect">
+            <a:avLst/>
+          </a:prstGeom>
+          <a:noFill/>
+          <a:ln>
+            <a:noFill/>
+          </a:ln>
+        </p:spPr>
+      </p:pic>
+    </p:spTree>
+  </p:cSld>
+  <p:clrMapOvr>
+    <a:masterClrMapping/>
+  </p:clrMapOvr>
+</p:sld>
+</file>
+
+<file path=ppt/slides/slide35.xml><?xml version="1.0" encoding="utf-8"?>
 <p:sld xmlns:a="http://schemas.openxmlformats.org/drawingml/2006/main" xmlns:r="http://schemas.openxmlformats.org/officeDocument/2006/relationships" xmlns:p="http://schemas.openxmlformats.org/presentationml/2006/main" show="0">
   <p:cSld>
     <p:spTree>
@@ -32331,7 +32882,7 @@
             </a:pPr>
             <a:fld id="{00000000-1234-1234-1234-123412341234}" type="slidenum">
               <a:rPr lang="en"/>
-              <a:t>33</a:t>
+              <a:t>35</a:t>
             </a:fld>
             <a:endParaRPr/>
           </a:p>
@@ -32345,7 +32896,7 @@
         </p:nvGraphicFramePr>
         <p:xfrm>
           <a:off x="311700" y="1323038"/>
-          <a:ext cx="3000000" cy="3000000"/>
+          <a:ext cx="8520575" cy="3104200"/>
         </p:xfrm>
         <a:graphic>
           <a:graphicData uri="http://schemas.openxmlformats.org/drawingml/2006/table">
@@ -33489,7 +34040,127 @@
 </p:sld>
 </file>
 
-<file path=ppt/slides/slide34.xml><?xml version="1.0" encoding="utf-8"?>
+<file path=ppt/slides/slide36.xml><?xml version="1.0" encoding="utf-8"?>
+<p:sld xmlns:a="http://schemas.openxmlformats.org/drawingml/2006/main" xmlns:r="http://schemas.openxmlformats.org/officeDocument/2006/relationships" xmlns:p="http://schemas.openxmlformats.org/presentationml/2006/main">
+  <p:cSld>
+    <p:spTree>
+      <p:nvGrpSpPr>
+        <p:cNvPr id="1" name=""/>
+        <p:cNvGrpSpPr/>
+        <p:nvPr/>
+      </p:nvGrpSpPr>
+      <p:grpSpPr>
+        <a:xfrm>
+          <a:off x="0" y="0"/>
+          <a:ext cx="0" cy="0"/>
+          <a:chOff x="0" y="0"/>
+          <a:chExt cx="0" cy="0"/>
+        </a:xfrm>
+      </p:grpSpPr>
+      <p:sp>
+        <p:nvSpPr>
+          <p:cNvPr id="2" name="Title 1">
+            <a:extLst>
+              <a:ext uri="{FF2B5EF4-FFF2-40B4-BE49-F238E27FC236}">
+                <a16:creationId xmlns:a16="http://schemas.microsoft.com/office/drawing/2014/main" id="{53583DA9-DA04-D7CF-4941-577D1DF16136}"/>
+              </a:ext>
+            </a:extLst>
+          </p:cNvPr>
+          <p:cNvSpPr>
+            <a:spLocks noGrp="1"/>
+          </p:cNvSpPr>
+          <p:nvPr>
+            <p:ph type="title"/>
+          </p:nvPr>
+        </p:nvSpPr>
+        <p:spPr/>
+        <p:txBody>
+          <a:bodyPr>
+            <a:normAutofit fontScale="90000"/>
+          </a:bodyPr>
+          <a:lstStyle/>
+          <a:p>
+            <a:endParaRPr lang="en-US"/>
+          </a:p>
+        </p:txBody>
+      </p:sp>
+      <p:sp>
+        <p:nvSpPr>
+          <p:cNvPr id="3" name="Text Placeholder 2">
+            <a:extLst>
+              <a:ext uri="{FF2B5EF4-FFF2-40B4-BE49-F238E27FC236}">
+                <a16:creationId xmlns:a16="http://schemas.microsoft.com/office/drawing/2014/main" id="{6EB04028-E7BA-1E33-D641-F5F02D33A2B0}"/>
+              </a:ext>
+            </a:extLst>
+          </p:cNvPr>
+          <p:cNvSpPr>
+            <a:spLocks noGrp="1"/>
+          </p:cNvSpPr>
+          <p:nvPr>
+            <p:ph type="body" idx="1"/>
+          </p:nvPr>
+        </p:nvSpPr>
+        <p:spPr/>
+        <p:txBody>
+          <a:bodyPr/>
+          <a:lstStyle/>
+          <a:p>
+            <a:endParaRPr lang="en-US" dirty="0"/>
+          </a:p>
+        </p:txBody>
+      </p:sp>
+      <p:sp>
+        <p:nvSpPr>
+          <p:cNvPr id="4" name="Slide Number Placeholder 3">
+            <a:extLst>
+              <a:ext uri="{FF2B5EF4-FFF2-40B4-BE49-F238E27FC236}">
+                <a16:creationId xmlns:a16="http://schemas.microsoft.com/office/drawing/2014/main" id="{66C74324-5DE0-D855-8BA2-7F616CDD1611}"/>
+              </a:ext>
+            </a:extLst>
+          </p:cNvPr>
+          <p:cNvSpPr>
+            <a:spLocks noGrp="1"/>
+          </p:cNvSpPr>
+          <p:nvPr>
+            <p:ph type="sldNum" idx="12"/>
+          </p:nvPr>
+        </p:nvSpPr>
+        <p:spPr/>
+        <p:txBody>
+          <a:bodyPr/>
+          <a:lstStyle/>
+          <a:p>
+            <a:pPr marL="0" lvl="0" indent="0" algn="r" rtl="0">
+              <a:spcBef>
+                <a:spcPts val="0"/>
+              </a:spcBef>
+              <a:spcAft>
+                <a:spcPts val="0"/>
+              </a:spcAft>
+              <a:buNone/>
+            </a:pPr>
+            <a:fld id="{00000000-1234-1234-1234-123412341234}" type="slidenum">
+              <a:rPr lang="en" smtClean="0"/>
+              <a:t>36</a:t>
+            </a:fld>
+            <a:endParaRPr lang="en"/>
+          </a:p>
+        </p:txBody>
+      </p:sp>
+    </p:spTree>
+    <p:extLst>
+      <p:ext uri="{BB962C8B-B14F-4D97-AF65-F5344CB8AC3E}">
+        <p14:creationId xmlns:p14="http://schemas.microsoft.com/office/powerpoint/2010/main" val="1081784928"/>
+      </p:ext>
+    </p:extLst>
+  </p:cSld>
+  <p:clrMapOvr>
+    <a:masterClrMapping/>
+  </p:clrMapOvr>
+</p:sld>
+</file>
+
+<file path=ppt/slides/slide37.xml><?xml version="1.0" encoding="utf-8"?>
 <p:sld xmlns:a="http://schemas.openxmlformats.org/drawingml/2006/main" xmlns:r="http://schemas.openxmlformats.org/officeDocument/2006/relationships" xmlns:p="http://schemas.openxmlformats.org/presentationml/2006/main" show="0">
   <p:cSld>
     <p:spTree>
@@ -33722,7 +34393,7 @@
             </a:pPr>
             <a:fld id="{00000000-1234-1234-1234-123412341234}" type="slidenum">
               <a:rPr lang="en"/>
-              <a:t>34</a:t>
+              <a:t>37</a:t>
             </a:fld>
             <a:endParaRPr/>
           </a:p>
@@ -33736,7 +34407,7 @@
 </p:sld>
 </file>
 
-<file path=ppt/slides/slide35.xml><?xml version="1.0" encoding="utf-8"?>
+<file path=ppt/slides/slide38.xml><?xml version="1.0" encoding="utf-8"?>
 <p:sld xmlns:a="http://schemas.openxmlformats.org/drawingml/2006/main" xmlns:r="http://schemas.openxmlformats.org/officeDocument/2006/relationships" xmlns:p="http://schemas.openxmlformats.org/presentationml/2006/main">
   <p:cSld>
     <p:spTree>
@@ -33914,7 +34585,7 @@
             </a:pPr>
             <a:fld id="{00000000-1234-1234-1234-123412341234}" type="slidenum">
               <a:rPr lang="en"/>
-              <a:t>35</a:t>
+              <a:t>38</a:t>
             </a:fld>
             <a:endParaRPr/>
           </a:p>
@@ -33928,7 +34599,7 @@
 </p:sld>
 </file>
 
-<file path=ppt/slides/slide36.xml><?xml version="1.0" encoding="utf-8"?>
+<file path=ppt/slides/slide39.xml><?xml version="1.0" encoding="utf-8"?>
 <p:sld xmlns:a="http://schemas.openxmlformats.org/drawingml/2006/main" xmlns:r="http://schemas.openxmlformats.org/officeDocument/2006/relationships" xmlns:p="http://schemas.openxmlformats.org/presentationml/2006/main">
   <p:cSld>
     <p:spTree>
@@ -34149,7 +34820,7 @@
             </a:pPr>
             <a:fld id="{00000000-1234-1234-1234-123412341234}" type="slidenum">
               <a:rPr lang="en"/>
-              <a:t>36</a:t>
+              <a:t>39</a:t>
             </a:fld>
             <a:endParaRPr/>
           </a:p>
@@ -34163,7 +34834,224 @@
 </p:sld>
 </file>
 
-<file path=ppt/slides/slide37.xml><?xml version="1.0" encoding="utf-8"?>
+<file path=ppt/slides/slide4.xml><?xml version="1.0" encoding="utf-8"?>
+<p:sld xmlns:a="http://schemas.openxmlformats.org/drawingml/2006/main" xmlns:r="http://schemas.openxmlformats.org/officeDocument/2006/relationships" xmlns:p="http://schemas.openxmlformats.org/presentationml/2006/main">
+  <p:cSld>
+    <p:spTree>
+      <p:nvGrpSpPr>
+        <p:cNvPr id="1" name="Shape 74"/>
+        <p:cNvGrpSpPr/>
+        <p:nvPr/>
+      </p:nvGrpSpPr>
+      <p:grpSpPr>
+        <a:xfrm>
+          <a:off x="0" y="0"/>
+          <a:ext cx="0" cy="0"/>
+          <a:chOff x="0" y="0"/>
+          <a:chExt cx="0" cy="0"/>
+        </a:xfrm>
+      </p:grpSpPr>
+      <p:sp>
+        <p:nvSpPr>
+          <p:cNvPr id="75" name="Google Shape;75;p16"/>
+          <p:cNvSpPr txBox="1">
+            <a:spLocks noGrp="1"/>
+          </p:cNvSpPr>
+          <p:nvPr>
+            <p:ph type="title"/>
+          </p:nvPr>
+        </p:nvSpPr>
+        <p:spPr>
+          <a:xfrm>
+            <a:off x="311700" y="445025"/>
+            <a:ext cx="8520600" cy="572700"/>
+          </a:xfrm>
+          <a:prstGeom prst="rect">
+            <a:avLst/>
+          </a:prstGeom>
+        </p:spPr>
+        <p:txBody>
+          <a:bodyPr spcFirstLastPara="1" wrap="square" lIns="91425" tIns="91425" rIns="91425" bIns="91425" anchor="t" anchorCtr="0">
+            <a:normAutofit fontScale="90000"/>
+          </a:bodyPr>
+          <a:lstStyle/>
+          <a:p>
+            <a:pPr marL="0" lvl="0" indent="0" algn="l" rtl="0">
+              <a:spcBef>
+                <a:spcPts val="0"/>
+              </a:spcBef>
+              <a:spcAft>
+                <a:spcPts val="0"/>
+              </a:spcAft>
+              <a:buNone/>
+            </a:pPr>
+            <a:r>
+              <a:rPr lang="en"/>
+              <a:t>Structural approaches to the definiteness effect</a:t>
+            </a:r>
+            <a:endParaRPr/>
+          </a:p>
+        </p:txBody>
+      </p:sp>
+      <p:sp>
+        <p:nvSpPr>
+          <p:cNvPr id="76" name="Google Shape;76;p16"/>
+          <p:cNvSpPr txBox="1">
+            <a:spLocks noGrp="1"/>
+          </p:cNvSpPr>
+          <p:nvPr>
+            <p:ph type="body" idx="1"/>
+          </p:nvPr>
+        </p:nvSpPr>
+        <p:spPr>
+          <a:xfrm>
+            <a:off x="311700" y="1152475"/>
+            <a:ext cx="8520600" cy="3416400"/>
+          </a:xfrm>
+          <a:prstGeom prst="rect">
+            <a:avLst/>
+          </a:prstGeom>
+        </p:spPr>
+        <p:txBody>
+          <a:bodyPr spcFirstLastPara="1" wrap="square" lIns="91425" tIns="91425" rIns="91425" bIns="91425" anchor="t" anchorCtr="0">
+            <a:normAutofit/>
+          </a:bodyPr>
+          <a:lstStyle/>
+          <a:p>
+            <a:pPr marL="457200" lvl="0" indent="-342900" algn="l" rtl="0">
+              <a:spcBef>
+                <a:spcPts val="0"/>
+              </a:spcBef>
+              <a:spcAft>
+                <a:spcPts val="0"/>
+              </a:spcAft>
+              <a:buSzPts val="1800"/>
+              <a:buAutoNum type="arabicPeriod"/>
+            </a:pPr>
+            <a:r>
+              <a:rPr lang="en"/>
+              <a:t>Definite DPs are locality domains for movement (PIC/subjacency; freezing). </a:t>
+            </a:r>
+            <a:br>
+              <a:rPr lang="en"/>
+            </a:br>
+            <a:r>
+              <a:rPr lang="en" sz="1600"/>
+              <a:t>(Diesing 1992; Citko 2014; Huang 2022; cf. Davies &amp; Dubinsky 2003, Chomsky 1973)</a:t>
+            </a:r>
+            <a:br>
+              <a:rPr lang="en"/>
+            </a:br>
+            <a:endParaRPr/>
+          </a:p>
+          <a:p>
+            <a:pPr marL="457200" lvl="0" indent="-342900" algn="l" rtl="0">
+              <a:spcBef>
+                <a:spcPts val="0"/>
+              </a:spcBef>
+              <a:spcAft>
+                <a:spcPts val="0"/>
+              </a:spcAft>
+              <a:buSzPts val="1800"/>
+              <a:buAutoNum type="arabicPeriod"/>
+            </a:pPr>
+            <a:r>
+              <a:rPr lang="en"/>
+              <a:t>The Specificity Condition: no binding of variables in specific/definite DPs.</a:t>
+            </a:r>
+            <a:br>
+              <a:rPr lang="en"/>
+            </a:br>
+            <a:r>
+              <a:rPr lang="en" sz="1600"/>
+              <a:t>(Fiengo &amp; Higginbotham 1981; cf. Simonenko 2015)</a:t>
+            </a:r>
+            <a:endParaRPr sz="1600"/>
+          </a:p>
+          <a:p>
+            <a:pPr marL="457200" lvl="0" indent="0" algn="l" rtl="0">
+              <a:spcBef>
+                <a:spcPts val="1200"/>
+              </a:spcBef>
+              <a:spcAft>
+                <a:spcPts val="0"/>
+              </a:spcAft>
+              <a:buNone/>
+            </a:pPr>
+            <a:endParaRPr sz="1600"/>
+          </a:p>
+          <a:p>
+            <a:pPr marL="0" lvl="0" indent="0" algn="l" rtl="0">
+              <a:spcBef>
+                <a:spcPts val="1200"/>
+              </a:spcBef>
+              <a:spcAft>
+                <a:spcPts val="1200"/>
+              </a:spcAft>
+              <a:buNone/>
+            </a:pPr>
+            <a:r>
+              <a:rPr lang="en" sz="1600"/>
+              <a:t>Leaving an information structure-based approach (Erteschik-Shir 1981, Abeillé et al 2020) aside for now.</a:t>
+            </a:r>
+            <a:br>
+              <a:rPr lang="en" sz="1600"/>
+            </a:br>
+            <a:endParaRPr sz="1600"/>
+          </a:p>
+        </p:txBody>
+      </p:sp>
+      <p:sp>
+        <p:nvSpPr>
+          <p:cNvPr id="77" name="Google Shape;77;p16"/>
+          <p:cNvSpPr txBox="1">
+            <a:spLocks noGrp="1"/>
+          </p:cNvSpPr>
+          <p:nvPr>
+            <p:ph type="sldNum" idx="12"/>
+          </p:nvPr>
+        </p:nvSpPr>
+        <p:spPr>
+          <a:xfrm>
+            <a:off x="8472458" y="4663217"/>
+            <a:ext cx="548700" cy="393600"/>
+          </a:xfrm>
+          <a:prstGeom prst="rect">
+            <a:avLst/>
+          </a:prstGeom>
+        </p:spPr>
+        <p:txBody>
+          <a:bodyPr spcFirstLastPara="1" wrap="square" lIns="91425" tIns="91425" rIns="91425" bIns="91425" anchor="ctr" anchorCtr="0">
+            <a:normAutofit/>
+          </a:bodyPr>
+          <a:lstStyle/>
+          <a:p>
+            <a:pPr marL="0" lvl="0" indent="0" algn="r" rtl="0">
+              <a:spcBef>
+                <a:spcPts val="0"/>
+              </a:spcBef>
+              <a:spcAft>
+                <a:spcPts val="0"/>
+              </a:spcAft>
+              <a:buNone/>
+            </a:pPr>
+            <a:fld id="{00000000-1234-1234-1234-123412341234}" type="slidenum">
+              <a:rPr lang="en"/>
+              <a:t>4</a:t>
+            </a:fld>
+            <a:endParaRPr/>
+          </a:p>
+        </p:txBody>
+      </p:sp>
+    </p:spTree>
+  </p:cSld>
+  <p:clrMapOvr>
+    <a:masterClrMapping/>
+  </p:clrMapOvr>
+</p:sld>
+</file>
+
+<file path=ppt/slides/slide40.xml><?xml version="1.0" encoding="utf-8"?>
 <p:sld xmlns:a="http://schemas.openxmlformats.org/drawingml/2006/main" xmlns:r="http://schemas.openxmlformats.org/officeDocument/2006/relationships" xmlns:p="http://schemas.openxmlformats.org/presentationml/2006/main">
   <p:cSld>
     <p:spTree>
@@ -34372,7 +35260,7 @@
             </a:pPr>
             <a:fld id="{00000000-1234-1234-1234-123412341234}" type="slidenum">
               <a:rPr lang="en"/>
-              <a:t>37</a:t>
+              <a:t>40</a:t>
             </a:fld>
             <a:endParaRPr/>
           </a:p>
@@ -34386,7 +35274,7 @@
 </p:sld>
 </file>
 
-<file path=ppt/slides/slide38.xml><?xml version="1.0" encoding="utf-8"?>
+<file path=ppt/slides/slide41.xml><?xml version="1.0" encoding="utf-8"?>
 <p:sld xmlns:a="http://schemas.openxmlformats.org/drawingml/2006/main" xmlns:r="http://schemas.openxmlformats.org/officeDocument/2006/relationships" xmlns:p="http://schemas.openxmlformats.org/presentationml/2006/main">
   <p:cSld>
     <p:spTree>
@@ -34439,7 +35327,7 @@
             </a:pPr>
             <a:fld id="{00000000-1234-1234-1234-123412341234}" type="slidenum">
               <a:rPr lang="en"/>
-              <a:t>38</a:t>
+              <a:t>41</a:t>
             </a:fld>
             <a:endParaRPr/>
           </a:p>
@@ -37079,7 +37967,7 @@
 </p:sld>
 </file>
 
-<file path=ppt/slides/slide39.xml><?xml version="1.0" encoding="utf-8"?>
+<file path=ppt/slides/slide42.xml><?xml version="1.0" encoding="utf-8"?>
 <p:sld xmlns:a="http://schemas.openxmlformats.org/drawingml/2006/main" xmlns:r="http://schemas.openxmlformats.org/officeDocument/2006/relationships" xmlns:p="http://schemas.openxmlformats.org/presentationml/2006/main">
   <p:cSld>
     <p:spTree>
@@ -37353,7 +38241,7 @@
             </a:pPr>
             <a:fld id="{00000000-1234-1234-1234-123412341234}" type="slidenum">
               <a:rPr lang="en"/>
-              <a:t>39</a:t>
+              <a:t>42</a:t>
             </a:fld>
             <a:endParaRPr/>
           </a:p>
@@ -37367,224 +38255,7 @@
 </p:sld>
 </file>
 
-<file path=ppt/slides/slide4.xml><?xml version="1.0" encoding="utf-8"?>
-<p:sld xmlns:a="http://schemas.openxmlformats.org/drawingml/2006/main" xmlns:r="http://schemas.openxmlformats.org/officeDocument/2006/relationships" xmlns:p="http://schemas.openxmlformats.org/presentationml/2006/main">
-  <p:cSld>
-    <p:spTree>
-      <p:nvGrpSpPr>
-        <p:cNvPr id="1" name="Shape 74"/>
-        <p:cNvGrpSpPr/>
-        <p:nvPr/>
-      </p:nvGrpSpPr>
-      <p:grpSpPr>
-        <a:xfrm>
-          <a:off x="0" y="0"/>
-          <a:ext cx="0" cy="0"/>
-          <a:chOff x="0" y="0"/>
-          <a:chExt cx="0" cy="0"/>
-        </a:xfrm>
-      </p:grpSpPr>
-      <p:sp>
-        <p:nvSpPr>
-          <p:cNvPr id="75" name="Google Shape;75;p16"/>
-          <p:cNvSpPr txBox="1">
-            <a:spLocks noGrp="1"/>
-          </p:cNvSpPr>
-          <p:nvPr>
-            <p:ph type="title"/>
-          </p:nvPr>
-        </p:nvSpPr>
-        <p:spPr>
-          <a:xfrm>
-            <a:off x="311700" y="445025"/>
-            <a:ext cx="8520600" cy="572700"/>
-          </a:xfrm>
-          <a:prstGeom prst="rect">
-            <a:avLst/>
-          </a:prstGeom>
-        </p:spPr>
-        <p:txBody>
-          <a:bodyPr spcFirstLastPara="1" wrap="square" lIns="91425" tIns="91425" rIns="91425" bIns="91425" anchor="t" anchorCtr="0">
-            <a:normAutofit fontScale="90000"/>
-          </a:bodyPr>
-          <a:lstStyle/>
-          <a:p>
-            <a:pPr marL="0" lvl="0" indent="0" algn="l" rtl="0">
-              <a:spcBef>
-                <a:spcPts val="0"/>
-              </a:spcBef>
-              <a:spcAft>
-                <a:spcPts val="0"/>
-              </a:spcAft>
-              <a:buNone/>
-            </a:pPr>
-            <a:r>
-              <a:rPr lang="en"/>
-              <a:t>Structural approaches to the definiteness effect</a:t>
-            </a:r>
-            <a:endParaRPr/>
-          </a:p>
-        </p:txBody>
-      </p:sp>
-      <p:sp>
-        <p:nvSpPr>
-          <p:cNvPr id="76" name="Google Shape;76;p16"/>
-          <p:cNvSpPr txBox="1">
-            <a:spLocks noGrp="1"/>
-          </p:cNvSpPr>
-          <p:nvPr>
-            <p:ph type="body" idx="1"/>
-          </p:nvPr>
-        </p:nvSpPr>
-        <p:spPr>
-          <a:xfrm>
-            <a:off x="311700" y="1152475"/>
-            <a:ext cx="8520600" cy="3416400"/>
-          </a:xfrm>
-          <a:prstGeom prst="rect">
-            <a:avLst/>
-          </a:prstGeom>
-        </p:spPr>
-        <p:txBody>
-          <a:bodyPr spcFirstLastPara="1" wrap="square" lIns="91425" tIns="91425" rIns="91425" bIns="91425" anchor="t" anchorCtr="0">
-            <a:normAutofit/>
-          </a:bodyPr>
-          <a:lstStyle/>
-          <a:p>
-            <a:pPr marL="457200" lvl="0" indent="-342900" algn="l" rtl="0">
-              <a:spcBef>
-                <a:spcPts val="0"/>
-              </a:spcBef>
-              <a:spcAft>
-                <a:spcPts val="0"/>
-              </a:spcAft>
-              <a:buSzPts val="1800"/>
-              <a:buAutoNum type="arabicPeriod"/>
-            </a:pPr>
-            <a:r>
-              <a:rPr lang="en"/>
-              <a:t>Definite DPs are locality domains for movement (PIC/subjacency; freezing). </a:t>
-            </a:r>
-            <a:br>
-              <a:rPr lang="en"/>
-            </a:br>
-            <a:r>
-              <a:rPr lang="en" sz="1600"/>
-              <a:t>(Diesing 1992; Citko 2014; Huang 2022; cf. Davies &amp; Dubinsky 2003, Chomsky 1973)</a:t>
-            </a:r>
-            <a:br>
-              <a:rPr lang="en"/>
-            </a:br>
-            <a:endParaRPr/>
-          </a:p>
-          <a:p>
-            <a:pPr marL="457200" lvl="0" indent="-342900" algn="l" rtl="0">
-              <a:spcBef>
-                <a:spcPts val="0"/>
-              </a:spcBef>
-              <a:spcAft>
-                <a:spcPts val="0"/>
-              </a:spcAft>
-              <a:buSzPts val="1800"/>
-              <a:buAutoNum type="arabicPeriod"/>
-            </a:pPr>
-            <a:r>
-              <a:rPr lang="en"/>
-              <a:t>The Specificity Condition: no binding of variables in specific/definite DPs.</a:t>
-            </a:r>
-            <a:br>
-              <a:rPr lang="en"/>
-            </a:br>
-            <a:r>
-              <a:rPr lang="en" sz="1600"/>
-              <a:t>(Fiengo &amp; Higginbotham 1981; cf. Simonenko 2015)</a:t>
-            </a:r>
-            <a:endParaRPr sz="1600"/>
-          </a:p>
-          <a:p>
-            <a:pPr marL="457200" lvl="0" indent="0" algn="l" rtl="0">
-              <a:spcBef>
-                <a:spcPts val="1200"/>
-              </a:spcBef>
-              <a:spcAft>
-                <a:spcPts val="0"/>
-              </a:spcAft>
-              <a:buNone/>
-            </a:pPr>
-            <a:endParaRPr sz="1600"/>
-          </a:p>
-          <a:p>
-            <a:pPr marL="0" lvl="0" indent="0" algn="l" rtl="0">
-              <a:spcBef>
-                <a:spcPts val="1200"/>
-              </a:spcBef>
-              <a:spcAft>
-                <a:spcPts val="1200"/>
-              </a:spcAft>
-              <a:buNone/>
-            </a:pPr>
-            <a:r>
-              <a:rPr lang="en" sz="1600"/>
-              <a:t>Leaving an information structure-based approach (Erteschik-Shir 1981, Abeillé et al 2020) aside for now.</a:t>
-            </a:r>
-            <a:br>
-              <a:rPr lang="en" sz="1600"/>
-            </a:br>
-            <a:endParaRPr sz="1600"/>
-          </a:p>
-        </p:txBody>
-      </p:sp>
-      <p:sp>
-        <p:nvSpPr>
-          <p:cNvPr id="77" name="Google Shape;77;p16"/>
-          <p:cNvSpPr txBox="1">
-            <a:spLocks noGrp="1"/>
-          </p:cNvSpPr>
-          <p:nvPr>
-            <p:ph type="sldNum" idx="12"/>
-          </p:nvPr>
-        </p:nvSpPr>
-        <p:spPr>
-          <a:xfrm>
-            <a:off x="8472458" y="4663217"/>
-            <a:ext cx="548700" cy="393600"/>
-          </a:xfrm>
-          <a:prstGeom prst="rect">
-            <a:avLst/>
-          </a:prstGeom>
-        </p:spPr>
-        <p:txBody>
-          <a:bodyPr spcFirstLastPara="1" wrap="square" lIns="91425" tIns="91425" rIns="91425" bIns="91425" anchor="ctr" anchorCtr="0">
-            <a:normAutofit/>
-          </a:bodyPr>
-          <a:lstStyle/>
-          <a:p>
-            <a:pPr marL="0" lvl="0" indent="0" algn="r" rtl="0">
-              <a:spcBef>
-                <a:spcPts val="0"/>
-              </a:spcBef>
-              <a:spcAft>
-                <a:spcPts val="0"/>
-              </a:spcAft>
-              <a:buNone/>
-            </a:pPr>
-            <a:fld id="{00000000-1234-1234-1234-123412341234}" type="slidenum">
-              <a:rPr lang="en"/>
-              <a:t>4</a:t>
-            </a:fld>
-            <a:endParaRPr/>
-          </a:p>
-        </p:txBody>
-      </p:sp>
-    </p:spTree>
-  </p:cSld>
-  <p:clrMapOvr>
-    <a:masterClrMapping/>
-  </p:clrMapOvr>
-</p:sld>
-</file>
-
-<file path=ppt/slides/slide40.xml><?xml version="1.0" encoding="utf-8"?>
+<file path=ppt/slides/slide43.xml><?xml version="1.0" encoding="utf-8"?>
 <p:sld xmlns:a="http://schemas.openxmlformats.org/drawingml/2006/main" xmlns:r="http://schemas.openxmlformats.org/officeDocument/2006/relationships" xmlns:p="http://schemas.openxmlformats.org/presentationml/2006/main">
   <p:cSld>
     <p:spTree>
@@ -37801,7 +38472,7 @@
             </a:pPr>
             <a:fld id="{00000000-1234-1234-1234-123412341234}" type="slidenum">
               <a:rPr lang="en"/>
-              <a:t>40</a:t>
+              <a:t>43</a:t>
             </a:fld>
             <a:endParaRPr/>
           </a:p>
@@ -37843,7 +38514,7 @@
 </p:sld>
 </file>
 
-<file path=ppt/slides/slide41.xml><?xml version="1.0" encoding="utf-8"?>
+<file path=ppt/slides/slide44.xml><?xml version="1.0" encoding="utf-8"?>
 <p:sld xmlns:a="http://schemas.openxmlformats.org/drawingml/2006/main" xmlns:r="http://schemas.openxmlformats.org/officeDocument/2006/relationships" xmlns:p="http://schemas.openxmlformats.org/presentationml/2006/main">
   <p:cSld>
     <p:spTree>
@@ -38124,7 +38795,7 @@
             </a:pPr>
             <a:fld id="{00000000-1234-1234-1234-123412341234}" type="slidenum">
               <a:rPr lang="en"/>
-              <a:t>41</a:t>
+              <a:t>44</a:t>
             </a:fld>
             <a:endParaRPr/>
           </a:p>
@@ -38166,7 +38837,7 @@
 </p:sld>
 </file>
 
-<file path=ppt/slides/slide42.xml><?xml version="1.0" encoding="utf-8"?>
+<file path=ppt/slides/slide45.xml><?xml version="1.0" encoding="utf-8"?>
 <p:sld xmlns:a="http://schemas.openxmlformats.org/drawingml/2006/main" xmlns:r="http://schemas.openxmlformats.org/officeDocument/2006/relationships" xmlns:p="http://schemas.openxmlformats.org/presentationml/2006/main">
   <p:cSld>
     <p:spTree>
@@ -38703,7 +39374,7 @@
             </a:pPr>
             <a:fld id="{00000000-1234-1234-1234-123412341234}" type="slidenum">
               <a:rPr lang="en"/>
-              <a:t>42</a:t>
+              <a:t>45</a:t>
             </a:fld>
             <a:endParaRPr/>
           </a:p>
@@ -38717,7 +39388,7 @@
 </p:sld>
 </file>
 
-<file path=ppt/slides/slide43.xml><?xml version="1.0" encoding="utf-8"?>
+<file path=ppt/slides/slide46.xml><?xml version="1.0" encoding="utf-8"?>
 <p:sld xmlns:a="http://schemas.openxmlformats.org/drawingml/2006/main" xmlns:r="http://schemas.openxmlformats.org/officeDocument/2006/relationships" xmlns:p="http://schemas.openxmlformats.org/presentationml/2006/main">
   <p:cSld>
     <p:spTree>
@@ -38957,7 +39628,7 @@
             </a:pPr>
             <a:fld id="{00000000-1234-1234-1234-123412341234}" type="slidenum">
               <a:rPr lang="en"/>
-              <a:t>43</a:t>
+              <a:t>46</a:t>
             </a:fld>
             <a:endParaRPr/>
           </a:p>
@@ -38999,7 +39670,7 @@
 </p:sld>
 </file>
 
-<file path=ppt/slides/slide44.xml><?xml version="1.0" encoding="utf-8"?>
+<file path=ppt/slides/slide47.xml><?xml version="1.0" encoding="utf-8"?>
 <p:sld xmlns:a="http://schemas.openxmlformats.org/drawingml/2006/main" xmlns:r="http://schemas.openxmlformats.org/officeDocument/2006/relationships" xmlns:p="http://schemas.openxmlformats.org/presentationml/2006/main">
   <p:cSld>
     <p:spTree>
@@ -39456,7 +40127,7 @@
             </a:pPr>
             <a:fld id="{00000000-1234-1234-1234-123412341234}" type="slidenum">
               <a:rPr lang="en"/>
-              <a:t>44</a:t>
+              <a:t>47</a:t>
             </a:fld>
             <a:endParaRPr/>
           </a:p>
@@ -39470,7 +40141,7 @@
 </p:sld>
 </file>
 
-<file path=ppt/slides/slide45.xml><?xml version="1.0" encoding="utf-8"?>
+<file path=ppt/slides/slide48.xml><?xml version="1.0" encoding="utf-8"?>
 <p:sld xmlns:a="http://schemas.openxmlformats.org/drawingml/2006/main" xmlns:r="http://schemas.openxmlformats.org/officeDocument/2006/relationships" xmlns:p="http://schemas.openxmlformats.org/presentationml/2006/main" show="0">
   <p:cSld>
     <p:spTree>
@@ -39717,7 +40388,7 @@
             </a:pPr>
             <a:fld id="{00000000-1234-1234-1234-123412341234}" type="slidenum">
               <a:rPr lang="en"/>
-              <a:t>45</a:t>
+              <a:t>48</a:t>
             </a:fld>
             <a:endParaRPr/>
           </a:p>
@@ -39731,7 +40402,7 @@
 </p:sld>
 </file>
 
-<file path=ppt/slides/slide46.xml><?xml version="1.0" encoding="utf-8"?>
+<file path=ppt/slides/slide49.xml><?xml version="1.0" encoding="utf-8"?>
 <p:sld xmlns:a="http://schemas.openxmlformats.org/drawingml/2006/main" xmlns:r="http://schemas.openxmlformats.org/officeDocument/2006/relationships" xmlns:p="http://schemas.openxmlformats.org/presentationml/2006/main" show="0">
   <p:cSld>
     <p:spTree>
@@ -39942,7 +40613,7 @@
             </a:pPr>
             <a:fld id="{00000000-1234-1234-1234-123412341234}" type="slidenum">
               <a:rPr lang="en"/>
-              <a:t>46</a:t>
+              <a:t>49</a:t>
             </a:fld>
             <a:endParaRPr/>
           </a:p>
@@ -39956,7 +40627,265 @@
 </p:sld>
 </file>
 
-<file path=ppt/slides/slide47.xml><?xml version="1.0" encoding="utf-8"?>
+<file path=ppt/slides/slide5.xml><?xml version="1.0" encoding="utf-8"?>
+<p:sld xmlns:a="http://schemas.openxmlformats.org/drawingml/2006/main" xmlns:r="http://schemas.openxmlformats.org/officeDocument/2006/relationships" xmlns:p="http://schemas.openxmlformats.org/presentationml/2006/main">
+  <p:cSld>
+    <p:spTree>
+      <p:nvGrpSpPr>
+        <p:cNvPr id="1" name="Shape 81"/>
+        <p:cNvGrpSpPr/>
+        <p:nvPr/>
+      </p:nvGrpSpPr>
+      <p:grpSpPr>
+        <a:xfrm>
+          <a:off x="0" y="0"/>
+          <a:ext cx="0" cy="0"/>
+          <a:chOff x="0" y="0"/>
+          <a:chExt cx="0" cy="0"/>
+        </a:xfrm>
+      </p:grpSpPr>
+      <p:sp>
+        <p:nvSpPr>
+          <p:cNvPr id="82" name="Google Shape;82;p17"/>
+          <p:cNvSpPr txBox="1">
+            <a:spLocks noGrp="1"/>
+          </p:cNvSpPr>
+          <p:nvPr>
+            <p:ph type="title"/>
+          </p:nvPr>
+        </p:nvSpPr>
+        <p:spPr>
+          <a:xfrm>
+            <a:off x="311700" y="445025"/>
+            <a:ext cx="8520600" cy="572700"/>
+          </a:xfrm>
+          <a:prstGeom prst="rect">
+            <a:avLst/>
+          </a:prstGeom>
+        </p:spPr>
+        <p:txBody>
+          <a:bodyPr spcFirstLastPara="1" wrap="square" lIns="91425" tIns="91425" rIns="91425" bIns="91425" anchor="t" anchorCtr="0">
+            <a:normAutofit fontScale="90000"/>
+          </a:bodyPr>
+          <a:lstStyle/>
+          <a:p>
+            <a:pPr marL="0" lvl="0" indent="0" algn="l" rtl="0">
+              <a:spcBef>
+                <a:spcPts val="0"/>
+              </a:spcBef>
+              <a:spcAft>
+                <a:spcPts val="0"/>
+              </a:spcAft>
+              <a:buNone/>
+            </a:pPr>
+            <a:r>
+              <a:rPr lang="en"/>
+              <a:t>The amelioration effect of VOC</a:t>
+            </a:r>
+            <a:endParaRPr/>
+          </a:p>
+        </p:txBody>
+      </p:sp>
+      <p:sp>
+        <p:nvSpPr>
+          <p:cNvPr id="83" name="Google Shape;83;p17"/>
+          <p:cNvSpPr txBox="1">
+            <a:spLocks noGrp="1"/>
+          </p:cNvSpPr>
+          <p:nvPr>
+            <p:ph type="body" idx="1"/>
+          </p:nvPr>
+        </p:nvSpPr>
+        <p:spPr>
+          <a:xfrm>
+            <a:off x="311700" y="1152475"/>
+            <a:ext cx="8520600" cy="3416400"/>
+          </a:xfrm>
+          <a:prstGeom prst="rect">
+            <a:avLst/>
+          </a:prstGeom>
+        </p:spPr>
+        <p:txBody>
+          <a:bodyPr spcFirstLastPara="1" wrap="square" lIns="91425" tIns="91425" rIns="91425" bIns="91425" anchor="t" anchorCtr="0">
+            <a:normAutofit/>
+          </a:bodyPr>
+          <a:lstStyle/>
+          <a:p>
+            <a:pPr marL="0" lvl="0" indent="0" algn="l" rtl="0">
+              <a:spcBef>
+                <a:spcPts val="0"/>
+              </a:spcBef>
+              <a:spcAft>
+                <a:spcPts val="0"/>
+              </a:spcAft>
+              <a:buClr>
+                <a:schemeClr val="dk1"/>
+              </a:buClr>
+              <a:buSzPts val="1100"/>
+              <a:buFont typeface="Arial"/>
+              <a:buNone/>
+            </a:pPr>
+            <a:r>
+              <a:rPr lang="en"/>
+              <a:t>The definiteness effect is said to disappear when the main verb is a </a:t>
+            </a:r>
+            <a:r>
+              <a:rPr lang="en" b="1"/>
+              <a:t>verb of creation</a:t>
+            </a:r>
+            <a:r>
+              <a:rPr lang="en"/>
+              <a:t> (among other conditions; see Erteschik-Shir 1981, Davies &amp; Dubinsky 2003, Huang 2022; Lim 2022): </a:t>
+            </a:r>
+            <a:endParaRPr/>
+          </a:p>
+          <a:p>
+            <a:pPr marL="0" lvl="0" indent="0" algn="l" rtl="0">
+              <a:spcBef>
+                <a:spcPts val="1200"/>
+              </a:spcBef>
+              <a:spcAft>
+                <a:spcPts val="0"/>
+              </a:spcAft>
+              <a:buClr>
+                <a:schemeClr val="dk1"/>
+              </a:buClr>
+              <a:buSzPts val="1100"/>
+              <a:buFont typeface="Arial"/>
+              <a:buNone/>
+            </a:pPr>
+            <a:r>
+              <a:rPr lang="en"/>
+              <a:t>3. Who did Mary </a:t>
+            </a:r>
+            <a:r>
+              <a:rPr lang="en" b="1">
+                <a:solidFill>
+                  <a:srgbClr val="6AA84F"/>
+                </a:solidFill>
+              </a:rPr>
+              <a:t>take</a:t>
+            </a:r>
+            <a:r>
+              <a:rPr lang="en"/>
+              <a:t> </a:t>
+            </a:r>
+            <a:r>
+              <a:rPr lang="en">
+                <a:solidFill>
+                  <a:srgbClr val="3C78D8"/>
+                </a:solidFill>
+              </a:rPr>
+              <a:t>a</a:t>
+            </a:r>
+            <a:r>
+              <a:rPr lang="en"/>
+              <a:t> picture of? 			Indefinite DP</a:t>
+            </a:r>
+            <a:endParaRPr/>
+          </a:p>
+          <a:p>
+            <a:pPr marL="0" lvl="0" indent="0" algn="l" rtl="0">
+              <a:spcBef>
+                <a:spcPts val="1200"/>
+              </a:spcBef>
+              <a:spcAft>
+                <a:spcPts val="1200"/>
+              </a:spcAft>
+              <a:buClr>
+                <a:schemeClr val="dk1"/>
+              </a:buClr>
+              <a:buSzPts val="1100"/>
+              <a:buFont typeface="Arial"/>
+              <a:buNone/>
+            </a:pPr>
+            <a:r>
+              <a:rPr lang="en"/>
+              <a:t>4. Who did Mary </a:t>
+            </a:r>
+            <a:r>
+              <a:rPr lang="en" b="1">
+                <a:solidFill>
+                  <a:srgbClr val="6AA84F"/>
+                </a:solidFill>
+              </a:rPr>
+              <a:t>take</a:t>
+            </a:r>
+            <a:r>
+              <a:rPr lang="en"/>
+              <a:t> </a:t>
+            </a:r>
+            <a:r>
+              <a:rPr lang="en">
+                <a:solidFill>
+                  <a:srgbClr val="CC0000"/>
+                </a:solidFill>
+              </a:rPr>
+              <a:t>that</a:t>
+            </a:r>
+            <a:r>
+              <a:rPr lang="en"/>
+              <a:t> picture of?		Definite DP with </a:t>
+            </a:r>
+            <a:r>
+              <a:rPr lang="en" i="1"/>
+              <a:t>that</a:t>
+            </a:r>
+            <a:endParaRPr i="1"/>
+          </a:p>
+        </p:txBody>
+      </p:sp>
+      <p:sp>
+        <p:nvSpPr>
+          <p:cNvPr id="84" name="Google Shape;84;p17"/>
+          <p:cNvSpPr txBox="1">
+            <a:spLocks noGrp="1"/>
+          </p:cNvSpPr>
+          <p:nvPr>
+            <p:ph type="sldNum" idx="12"/>
+          </p:nvPr>
+        </p:nvSpPr>
+        <p:spPr>
+          <a:xfrm>
+            <a:off x="8472458" y="4663217"/>
+            <a:ext cx="548700" cy="393600"/>
+          </a:xfrm>
+          <a:prstGeom prst="rect">
+            <a:avLst/>
+          </a:prstGeom>
+        </p:spPr>
+        <p:txBody>
+          <a:bodyPr spcFirstLastPara="1" wrap="square" lIns="91425" tIns="91425" rIns="91425" bIns="91425" anchor="ctr" anchorCtr="0">
+            <a:normAutofit/>
+          </a:bodyPr>
+          <a:lstStyle/>
+          <a:p>
+            <a:pPr marL="0" lvl="0" indent="0" algn="r" rtl="0">
+              <a:spcBef>
+                <a:spcPts val="0"/>
+              </a:spcBef>
+              <a:spcAft>
+                <a:spcPts val="0"/>
+              </a:spcAft>
+              <a:buNone/>
+            </a:pPr>
+            <a:fld id="{00000000-1234-1234-1234-123412341234}" type="slidenum">
+              <a:rPr lang="en"/>
+              <a:t>5</a:t>
+            </a:fld>
+            <a:endParaRPr/>
+          </a:p>
+        </p:txBody>
+      </p:sp>
+    </p:spTree>
+  </p:cSld>
+  <p:clrMapOvr>
+    <a:masterClrMapping/>
+  </p:clrMapOvr>
+</p:sld>
+</file>
+
+<file path=ppt/slides/slide50.xml><?xml version="1.0" encoding="utf-8"?>
 <p:sld xmlns:a="http://schemas.openxmlformats.org/drawingml/2006/main" xmlns:r="http://schemas.openxmlformats.org/officeDocument/2006/relationships" xmlns:p="http://schemas.openxmlformats.org/presentationml/2006/main" show="0">
   <p:cSld>
     <p:spTree>
@@ -40051,7 +40980,7 @@
             </a:pPr>
             <a:fld id="{00000000-1234-1234-1234-123412341234}" type="slidenum">
               <a:rPr lang="en"/>
-              <a:t>47</a:t>
+              <a:t>50</a:t>
             </a:fld>
             <a:endParaRPr/>
           </a:p>
@@ -41591,7 +42520,7 @@
 </p:sld>
 </file>
 
-<file path=ppt/slides/slide48.xml><?xml version="1.0" encoding="utf-8"?>
+<file path=ppt/slides/slide51.xml><?xml version="1.0" encoding="utf-8"?>
 <p:sld xmlns:a="http://schemas.openxmlformats.org/drawingml/2006/main" xmlns:r="http://schemas.openxmlformats.org/officeDocument/2006/relationships" xmlns:p="http://schemas.openxmlformats.org/presentationml/2006/main">
   <p:cSld>
     <p:spTree>
@@ -41891,265 +42820,7 @@
             </a:pPr>
             <a:fld id="{00000000-1234-1234-1234-123412341234}" type="slidenum">
               <a:rPr lang="en"/>
-              <a:t>48</a:t>
-            </a:fld>
-            <a:endParaRPr/>
-          </a:p>
-        </p:txBody>
-      </p:sp>
-    </p:spTree>
-  </p:cSld>
-  <p:clrMapOvr>
-    <a:masterClrMapping/>
-  </p:clrMapOvr>
-</p:sld>
-</file>
-
-<file path=ppt/slides/slide5.xml><?xml version="1.0" encoding="utf-8"?>
-<p:sld xmlns:a="http://schemas.openxmlformats.org/drawingml/2006/main" xmlns:r="http://schemas.openxmlformats.org/officeDocument/2006/relationships" xmlns:p="http://schemas.openxmlformats.org/presentationml/2006/main">
-  <p:cSld>
-    <p:spTree>
-      <p:nvGrpSpPr>
-        <p:cNvPr id="1" name="Shape 81"/>
-        <p:cNvGrpSpPr/>
-        <p:nvPr/>
-      </p:nvGrpSpPr>
-      <p:grpSpPr>
-        <a:xfrm>
-          <a:off x="0" y="0"/>
-          <a:ext cx="0" cy="0"/>
-          <a:chOff x="0" y="0"/>
-          <a:chExt cx="0" cy="0"/>
-        </a:xfrm>
-      </p:grpSpPr>
-      <p:sp>
-        <p:nvSpPr>
-          <p:cNvPr id="82" name="Google Shape;82;p17"/>
-          <p:cNvSpPr txBox="1">
-            <a:spLocks noGrp="1"/>
-          </p:cNvSpPr>
-          <p:nvPr>
-            <p:ph type="title"/>
-          </p:nvPr>
-        </p:nvSpPr>
-        <p:spPr>
-          <a:xfrm>
-            <a:off x="311700" y="445025"/>
-            <a:ext cx="8520600" cy="572700"/>
-          </a:xfrm>
-          <a:prstGeom prst="rect">
-            <a:avLst/>
-          </a:prstGeom>
-        </p:spPr>
-        <p:txBody>
-          <a:bodyPr spcFirstLastPara="1" wrap="square" lIns="91425" tIns="91425" rIns="91425" bIns="91425" anchor="t" anchorCtr="0">
-            <a:normAutofit fontScale="90000"/>
-          </a:bodyPr>
-          <a:lstStyle/>
-          <a:p>
-            <a:pPr marL="0" lvl="0" indent="0" algn="l" rtl="0">
-              <a:spcBef>
-                <a:spcPts val="0"/>
-              </a:spcBef>
-              <a:spcAft>
-                <a:spcPts val="0"/>
-              </a:spcAft>
-              <a:buNone/>
-            </a:pPr>
-            <a:r>
-              <a:rPr lang="en"/>
-              <a:t>The amelioration effect of VOC</a:t>
-            </a:r>
-            <a:endParaRPr/>
-          </a:p>
-        </p:txBody>
-      </p:sp>
-      <p:sp>
-        <p:nvSpPr>
-          <p:cNvPr id="83" name="Google Shape;83;p17"/>
-          <p:cNvSpPr txBox="1">
-            <a:spLocks noGrp="1"/>
-          </p:cNvSpPr>
-          <p:nvPr>
-            <p:ph type="body" idx="1"/>
-          </p:nvPr>
-        </p:nvSpPr>
-        <p:spPr>
-          <a:xfrm>
-            <a:off x="311700" y="1152475"/>
-            <a:ext cx="8520600" cy="3416400"/>
-          </a:xfrm>
-          <a:prstGeom prst="rect">
-            <a:avLst/>
-          </a:prstGeom>
-        </p:spPr>
-        <p:txBody>
-          <a:bodyPr spcFirstLastPara="1" wrap="square" lIns="91425" tIns="91425" rIns="91425" bIns="91425" anchor="t" anchorCtr="0">
-            <a:normAutofit/>
-          </a:bodyPr>
-          <a:lstStyle/>
-          <a:p>
-            <a:pPr marL="0" lvl="0" indent="0" algn="l" rtl="0">
-              <a:spcBef>
-                <a:spcPts val="0"/>
-              </a:spcBef>
-              <a:spcAft>
-                <a:spcPts val="0"/>
-              </a:spcAft>
-              <a:buClr>
-                <a:schemeClr val="dk1"/>
-              </a:buClr>
-              <a:buSzPts val="1100"/>
-              <a:buFont typeface="Arial"/>
-              <a:buNone/>
-            </a:pPr>
-            <a:r>
-              <a:rPr lang="en"/>
-              <a:t>The definiteness effect is said to disappear when the main verb is a </a:t>
-            </a:r>
-            <a:r>
-              <a:rPr lang="en" b="1"/>
-              <a:t>verb of creation</a:t>
-            </a:r>
-            <a:r>
-              <a:rPr lang="en"/>
-              <a:t> (among other conditions; see Erteschik-Shir 1981, Davies &amp; Dubinsky 2003, Huang 2022; Lim 2022): </a:t>
-            </a:r>
-            <a:endParaRPr/>
-          </a:p>
-          <a:p>
-            <a:pPr marL="0" lvl="0" indent="0" algn="l" rtl="0">
-              <a:spcBef>
-                <a:spcPts val="1200"/>
-              </a:spcBef>
-              <a:spcAft>
-                <a:spcPts val="0"/>
-              </a:spcAft>
-              <a:buClr>
-                <a:schemeClr val="dk1"/>
-              </a:buClr>
-              <a:buSzPts val="1100"/>
-              <a:buFont typeface="Arial"/>
-              <a:buNone/>
-            </a:pPr>
-            <a:r>
-              <a:rPr lang="en"/>
-              <a:t>3. Who did Mary </a:t>
-            </a:r>
-            <a:r>
-              <a:rPr lang="en" b="1">
-                <a:solidFill>
-                  <a:srgbClr val="6AA84F"/>
-                </a:solidFill>
-              </a:rPr>
-              <a:t>take</a:t>
-            </a:r>
-            <a:r>
-              <a:rPr lang="en"/>
-              <a:t> </a:t>
-            </a:r>
-            <a:r>
-              <a:rPr lang="en">
-                <a:solidFill>
-                  <a:srgbClr val="3C78D8"/>
-                </a:solidFill>
-              </a:rPr>
-              <a:t>a</a:t>
-            </a:r>
-            <a:r>
-              <a:rPr lang="en"/>
-              <a:t> picture of? 			Indefinite DP</a:t>
-            </a:r>
-            <a:endParaRPr/>
-          </a:p>
-          <a:p>
-            <a:pPr marL="0" lvl="0" indent="0" algn="l" rtl="0">
-              <a:spcBef>
-                <a:spcPts val="1200"/>
-              </a:spcBef>
-              <a:spcAft>
-                <a:spcPts val="1200"/>
-              </a:spcAft>
-              <a:buClr>
-                <a:schemeClr val="dk1"/>
-              </a:buClr>
-              <a:buSzPts val="1100"/>
-              <a:buFont typeface="Arial"/>
-              <a:buNone/>
-            </a:pPr>
-            <a:r>
-              <a:rPr lang="en"/>
-              <a:t>4. Who did Mary </a:t>
-            </a:r>
-            <a:r>
-              <a:rPr lang="en" b="1">
-                <a:solidFill>
-                  <a:srgbClr val="6AA84F"/>
-                </a:solidFill>
-              </a:rPr>
-              <a:t>take</a:t>
-            </a:r>
-            <a:r>
-              <a:rPr lang="en"/>
-              <a:t> </a:t>
-            </a:r>
-            <a:r>
-              <a:rPr lang="en">
-                <a:solidFill>
-                  <a:srgbClr val="CC0000"/>
-                </a:solidFill>
-              </a:rPr>
-              <a:t>that</a:t>
-            </a:r>
-            <a:r>
-              <a:rPr lang="en"/>
-              <a:t> picture of?		Definite DP with </a:t>
-            </a:r>
-            <a:r>
-              <a:rPr lang="en" i="1"/>
-              <a:t>that</a:t>
-            </a:r>
-            <a:endParaRPr i="1"/>
-          </a:p>
-        </p:txBody>
-      </p:sp>
-      <p:sp>
-        <p:nvSpPr>
-          <p:cNvPr id="84" name="Google Shape;84;p17"/>
-          <p:cNvSpPr txBox="1">
-            <a:spLocks noGrp="1"/>
-          </p:cNvSpPr>
-          <p:nvPr>
-            <p:ph type="sldNum" idx="12"/>
-          </p:nvPr>
-        </p:nvSpPr>
-        <p:spPr>
-          <a:xfrm>
-            <a:off x="8472458" y="4663217"/>
-            <a:ext cx="548700" cy="393600"/>
-          </a:xfrm>
-          <a:prstGeom prst="rect">
-            <a:avLst/>
-          </a:prstGeom>
-        </p:spPr>
-        <p:txBody>
-          <a:bodyPr spcFirstLastPara="1" wrap="square" lIns="91425" tIns="91425" rIns="91425" bIns="91425" anchor="ctr" anchorCtr="0">
-            <a:normAutofit/>
-          </a:bodyPr>
-          <a:lstStyle/>
-          <a:p>
-            <a:pPr marL="0" lvl="0" indent="0" algn="r" rtl="0">
-              <a:spcBef>
-                <a:spcPts val="0"/>
-              </a:spcBef>
-              <a:spcAft>
-                <a:spcPts val="0"/>
-              </a:spcAft>
-              <a:buNone/>
-            </a:pPr>
-            <a:fld id="{00000000-1234-1234-1234-123412341234}" type="slidenum">
-              <a:rPr lang="en"/>
-              <a:t>5</a:t>
+              <a:t>51</a:t>
             </a:fld>
             <a:endParaRPr/>
           </a:p>
